--- a/presentation_with_images.pptx
+++ b/presentation_with_images.pptx
@@ -1,21 +1,20 @@
 
 <file path=ppt/presentation.xml><?xml version="1.0" encoding="utf-8"?>
-<p:presentation xmlns:a="http://schemas.openxmlformats.org/drawingml/2006/main" xmlns:r="http://schemas.openxmlformats.org/officeDocument/2006/relationships" xmlns:p="http://schemas.openxmlformats.org/presentationml/2006/main" saveSubsetFonts="1">
+<p:presentation xmlns:a="http://schemas.openxmlformats.org/drawingml/2006/main" xmlns:r="http://schemas.openxmlformats.org/officeDocument/2006/relationships" xmlns:p="http://schemas.openxmlformats.org/presentationml/2006/main" saveSubsetFonts="1" autoCompressPictures="0">
   <p:sldMasterIdLst>
     <p:sldMasterId id="2147483648" r:id="rId1"/>
   </p:sldMasterIdLst>
   <p:sldIdLst>
-    <p:sldId id="256" r:id="rId2"/>
-    <p:sldId id="257" r:id="rId3"/>
-    <p:sldId id="258" r:id="rId4"/>
+    <p:sldId id="256" r:id="rId7"/>
+    <p:sldId id="257" r:id="rId8"/>
   </p:sldIdLst>
-  <p:sldSz cx="12192000" cy="6858000"/>
+  <p:sldSz cx="14630400" cy="8229600" type="screen4x3"/>
   <p:notesSz cx="6858000" cy="9144000"/>
   <p:defaultTextStyle>
     <a:defPPr>
-      <a:defRPr lang="ru-RU"/>
+      <a:defRPr lang="en-US"/>
     </a:defPPr>
-    <a:lvl1pPr marL="0" algn="l" defTabSz="914400" rtl="0" eaLnBrk="1" latinLnBrk="0" hangingPunct="1">
+    <a:lvl1pPr marL="0" algn="l" defTabSz="457200" rtl="0" eaLnBrk="1" latinLnBrk="0" hangingPunct="1">
       <a:defRPr sz="1800" kern="1200">
         <a:solidFill>
           <a:schemeClr val="tx1"/>
@@ -25,7 +24,7 @@
         <a:cs typeface="+mn-cs"/>
       </a:defRPr>
     </a:lvl1pPr>
-    <a:lvl2pPr marL="457200" algn="l" defTabSz="914400" rtl="0" eaLnBrk="1" latinLnBrk="0" hangingPunct="1">
+    <a:lvl2pPr marL="457200" algn="l" defTabSz="457200" rtl="0" eaLnBrk="1" latinLnBrk="0" hangingPunct="1">
       <a:defRPr sz="1800" kern="1200">
         <a:solidFill>
           <a:schemeClr val="tx1"/>
@@ -35,7 +34,7 @@
         <a:cs typeface="+mn-cs"/>
       </a:defRPr>
     </a:lvl2pPr>
-    <a:lvl3pPr marL="914400" algn="l" defTabSz="914400" rtl="0" eaLnBrk="1" latinLnBrk="0" hangingPunct="1">
+    <a:lvl3pPr marL="914400" algn="l" defTabSz="457200" rtl="0" eaLnBrk="1" latinLnBrk="0" hangingPunct="1">
       <a:defRPr sz="1800" kern="1200">
         <a:solidFill>
           <a:schemeClr val="tx1"/>
@@ -45,7 +44,7 @@
         <a:cs typeface="+mn-cs"/>
       </a:defRPr>
     </a:lvl3pPr>
-    <a:lvl4pPr marL="1371600" algn="l" defTabSz="914400" rtl="0" eaLnBrk="1" latinLnBrk="0" hangingPunct="1">
+    <a:lvl4pPr marL="1371600" algn="l" defTabSz="457200" rtl="0" eaLnBrk="1" latinLnBrk="0" hangingPunct="1">
       <a:defRPr sz="1800" kern="1200">
         <a:solidFill>
           <a:schemeClr val="tx1"/>
@@ -55,7 +54,7 @@
         <a:cs typeface="+mn-cs"/>
       </a:defRPr>
     </a:lvl4pPr>
-    <a:lvl5pPr marL="1828800" algn="l" defTabSz="914400" rtl="0" eaLnBrk="1" latinLnBrk="0" hangingPunct="1">
+    <a:lvl5pPr marL="1828800" algn="l" defTabSz="457200" rtl="0" eaLnBrk="1" latinLnBrk="0" hangingPunct="1">
       <a:defRPr sz="1800" kern="1200">
         <a:solidFill>
           <a:schemeClr val="tx1"/>
@@ -65,7 +64,7 @@
         <a:cs typeface="+mn-cs"/>
       </a:defRPr>
     </a:lvl5pPr>
-    <a:lvl6pPr marL="2286000" algn="l" defTabSz="914400" rtl="0" eaLnBrk="1" latinLnBrk="0" hangingPunct="1">
+    <a:lvl6pPr marL="2286000" algn="l" defTabSz="457200" rtl="0" eaLnBrk="1" latinLnBrk="0" hangingPunct="1">
       <a:defRPr sz="1800" kern="1200">
         <a:solidFill>
           <a:schemeClr val="tx1"/>
@@ -75,7 +74,7 @@
         <a:cs typeface="+mn-cs"/>
       </a:defRPr>
     </a:lvl6pPr>
-    <a:lvl7pPr marL="2743200" algn="l" defTabSz="914400" rtl="0" eaLnBrk="1" latinLnBrk="0" hangingPunct="1">
+    <a:lvl7pPr marL="2743200" algn="l" defTabSz="457200" rtl="0" eaLnBrk="1" latinLnBrk="0" hangingPunct="1">
       <a:defRPr sz="1800" kern="1200">
         <a:solidFill>
           <a:schemeClr val="tx1"/>
@@ -85,7 +84,7 @@
         <a:cs typeface="+mn-cs"/>
       </a:defRPr>
     </a:lvl7pPr>
-    <a:lvl8pPr marL="3200400" algn="l" defTabSz="914400" rtl="0" eaLnBrk="1" latinLnBrk="0" hangingPunct="1">
+    <a:lvl8pPr marL="3200400" algn="l" defTabSz="457200" rtl="0" eaLnBrk="1" latinLnBrk="0" hangingPunct="1">
       <a:defRPr sz="1800" kern="1200">
         <a:solidFill>
           <a:schemeClr val="tx1"/>
@@ -95,7 +94,7 @@
         <a:cs typeface="+mn-cs"/>
       </a:defRPr>
     </a:lvl8pPr>
-    <a:lvl9pPr marL="3657600" algn="l" defTabSz="914400" rtl="0" eaLnBrk="1" latinLnBrk="0" hangingPunct="1">
+    <a:lvl9pPr marL="3657600" algn="l" defTabSz="457200" rtl="0" eaLnBrk="1" latinLnBrk="0" hangingPunct="1">
       <a:defRPr sz="1800" kern="1200">
         <a:solidFill>
           <a:schemeClr val="tx1"/>
@@ -106,17 +105,12 @@
       </a:defRPr>
     </a:lvl9pPr>
   </p:defaultTextStyle>
-  <p:extLst>
-    <p:ext uri="{EFAFB233-063F-42B5-8137-9DF3F51BA10A}">
-      <p15:sldGuideLst xmlns:p15="http://schemas.microsoft.com/office/powerpoint/2012/main"/>
-    </p:ext>
-  </p:extLst>
 </p:presentation>
 </file>
 
 <file path=ppt/slideLayouts/slideLayout1.xml><?xml version="1.0" encoding="utf-8"?>
 <p:sldLayout xmlns:a="http://schemas.openxmlformats.org/drawingml/2006/main" xmlns:r="http://schemas.openxmlformats.org/officeDocument/2006/relationships" xmlns:p="http://schemas.openxmlformats.org/presentationml/2006/main" type="title" preserve="1">
-  <p:cSld name="Титульный слайд">
+  <p:cSld name="Title Slide">
     <p:spTree>
       <p:nvGrpSpPr>
         <p:cNvPr id="1" name=""/>
@@ -133,7 +127,7 @@
       </p:grpSpPr>
       <p:sp>
         <p:nvSpPr>
-          <p:cNvPr id="2" name="Заголовок 1"/>
+          <p:cNvPr id="2" name="Title 1"/>
           <p:cNvSpPr>
             <a:spLocks noGrp="1"/>
           </p:cNvSpPr>
@@ -143,29 +137,25 @@
         </p:nvSpPr>
         <p:spPr>
           <a:xfrm>
-            <a:off x="1524000" y="1122363"/>
-            <a:ext cx="9144000" cy="2387600"/>
+            <a:off x="685800" y="2130425"/>
+            <a:ext cx="7772400" cy="1470025"/>
           </a:xfrm>
         </p:spPr>
         <p:txBody>
-          <a:bodyPr anchor="b"/>
-          <a:lstStyle>
-            <a:lvl1pPr algn="ctr">
-              <a:defRPr sz="6000"/>
-            </a:lvl1pPr>
-          </a:lstStyle>
-          <a:p>
-            <a:r>
-              <a:rPr lang="ru-RU" smtClean="0"/>
-              <a:t>Образец заголовка</a:t>
-            </a:r>
-            <a:endParaRPr lang="ru-RU"/>
-          </a:p>
-        </p:txBody>
-      </p:sp>
-      <p:sp>
-        <p:nvSpPr>
-          <p:cNvPr id="3" name="Подзаголовок 2"/>
+          <a:bodyPr/>
+          <a:lstStyle/>
+          <a:p>
+            <a:r>
+              <a:rPr lang="en-US" smtClean="0"/>
+              <a:t>Click to edit Master title style</a:t>
+            </a:r>
+            <a:endParaRPr lang="en-US"/>
+          </a:p>
+        </p:txBody>
+      </p:sp>
+      <p:sp>
+        <p:nvSpPr>
+          <p:cNvPr id="3" name="Subtitle 2"/>
           <p:cNvSpPr>
             <a:spLocks noGrp="1"/>
           </p:cNvSpPr>
@@ -175,8 +165,8 @@
         </p:nvSpPr>
         <p:spPr>
           <a:xfrm>
-            <a:off x="1524000" y="3602038"/>
-            <a:ext cx="9144000" cy="1655762"/>
+            <a:off x="1371600" y="3886200"/>
+            <a:ext cx="6400800" cy="1752600"/>
           </a:xfrm>
         </p:spPr>
         <p:txBody>
@@ -184,53 +174,107 @@
           <a:lstStyle>
             <a:lvl1pPr marL="0" indent="0" algn="ctr">
               <a:buNone/>
-              <a:defRPr sz="2400"/>
+              <a:defRPr>
+                <a:solidFill>
+                  <a:schemeClr val="tx1">
+                    <a:tint val="75000"/>
+                  </a:schemeClr>
+                </a:solidFill>
+              </a:defRPr>
             </a:lvl1pPr>
             <a:lvl2pPr marL="457200" indent="0" algn="ctr">
               <a:buNone/>
-              <a:defRPr sz="2000"/>
+              <a:defRPr>
+                <a:solidFill>
+                  <a:schemeClr val="tx1">
+                    <a:tint val="75000"/>
+                  </a:schemeClr>
+                </a:solidFill>
+              </a:defRPr>
             </a:lvl2pPr>
             <a:lvl3pPr marL="914400" indent="0" algn="ctr">
               <a:buNone/>
-              <a:defRPr sz="1800"/>
+              <a:defRPr>
+                <a:solidFill>
+                  <a:schemeClr val="tx1">
+                    <a:tint val="75000"/>
+                  </a:schemeClr>
+                </a:solidFill>
+              </a:defRPr>
             </a:lvl3pPr>
             <a:lvl4pPr marL="1371600" indent="0" algn="ctr">
               <a:buNone/>
-              <a:defRPr sz="1600"/>
+              <a:defRPr>
+                <a:solidFill>
+                  <a:schemeClr val="tx1">
+                    <a:tint val="75000"/>
+                  </a:schemeClr>
+                </a:solidFill>
+              </a:defRPr>
             </a:lvl4pPr>
             <a:lvl5pPr marL="1828800" indent="0" algn="ctr">
               <a:buNone/>
-              <a:defRPr sz="1600"/>
+              <a:defRPr>
+                <a:solidFill>
+                  <a:schemeClr val="tx1">
+                    <a:tint val="75000"/>
+                  </a:schemeClr>
+                </a:solidFill>
+              </a:defRPr>
             </a:lvl5pPr>
             <a:lvl6pPr marL="2286000" indent="0" algn="ctr">
               <a:buNone/>
-              <a:defRPr sz="1600"/>
+              <a:defRPr>
+                <a:solidFill>
+                  <a:schemeClr val="tx1">
+                    <a:tint val="75000"/>
+                  </a:schemeClr>
+                </a:solidFill>
+              </a:defRPr>
             </a:lvl6pPr>
             <a:lvl7pPr marL="2743200" indent="0" algn="ctr">
               <a:buNone/>
-              <a:defRPr sz="1600"/>
+              <a:defRPr>
+                <a:solidFill>
+                  <a:schemeClr val="tx1">
+                    <a:tint val="75000"/>
+                  </a:schemeClr>
+                </a:solidFill>
+              </a:defRPr>
             </a:lvl7pPr>
             <a:lvl8pPr marL="3200400" indent="0" algn="ctr">
               <a:buNone/>
-              <a:defRPr sz="1600"/>
+              <a:defRPr>
+                <a:solidFill>
+                  <a:schemeClr val="tx1">
+                    <a:tint val="75000"/>
+                  </a:schemeClr>
+                </a:solidFill>
+              </a:defRPr>
             </a:lvl8pPr>
             <a:lvl9pPr marL="3657600" indent="0" algn="ctr">
               <a:buNone/>
-              <a:defRPr sz="1600"/>
+              <a:defRPr>
+                <a:solidFill>
+                  <a:schemeClr val="tx1">
+                    <a:tint val="75000"/>
+                  </a:schemeClr>
+                </a:solidFill>
+              </a:defRPr>
             </a:lvl9pPr>
           </a:lstStyle>
           <a:p>
             <a:r>
-              <a:rPr lang="ru-RU" smtClean="0"/>
-              <a:t>Образец подзаголовка</a:t>
-            </a:r>
-            <a:endParaRPr lang="ru-RU"/>
-          </a:p>
-        </p:txBody>
-      </p:sp>
-      <p:sp>
-        <p:nvSpPr>
-          <p:cNvPr id="4" name="Дата 3"/>
+              <a:rPr lang="en-US" smtClean="0"/>
+              <a:t>Click to edit Master subtitle style</a:t>
+            </a:r>
+            <a:endParaRPr lang="en-US"/>
+          </a:p>
+        </p:txBody>
+      </p:sp>
+      <p:sp>
+        <p:nvSpPr>
+          <p:cNvPr id="4" name="Date Placeholder 3"/>
           <p:cNvSpPr>
             <a:spLocks noGrp="1"/>
           </p:cNvSpPr>
@@ -243,17 +287,17 @@
           <a:bodyPr/>
           <a:lstStyle/>
           <a:p>
-            <a:fld id="{DD065C8D-B095-4B70-8A9A-37BF157D54D2}" type="datetimeFigureOut">
-              <a:rPr lang="ru-RU" smtClean="0"/>
-              <a:t>31.05.2025</a:t>
+            <a:fld id="{5BCAD085-E8A6-8845-BD4E-CB4CCA059FC4}" type="datetimeFigureOut">
+              <a:rPr lang="en-US" smtClean="0"/>
+              <a:t>1/27/13</a:t>
             </a:fld>
-            <a:endParaRPr lang="ru-RU"/>
-          </a:p>
-        </p:txBody>
-      </p:sp>
-      <p:sp>
-        <p:nvSpPr>
-          <p:cNvPr id="5" name="Нижний колонтитул 4"/>
+            <a:endParaRPr lang="en-US"/>
+          </a:p>
+        </p:txBody>
+      </p:sp>
+      <p:sp>
+        <p:nvSpPr>
+          <p:cNvPr id="5" name="Footer Placeholder 4"/>
           <p:cNvSpPr>
             <a:spLocks noGrp="1"/>
           </p:cNvSpPr>
@@ -266,13 +310,13 @@
           <a:bodyPr/>
           <a:lstStyle/>
           <a:p>
-            <a:endParaRPr lang="ru-RU"/>
-          </a:p>
-        </p:txBody>
-      </p:sp>
-      <p:sp>
-        <p:nvSpPr>
-          <p:cNvPr id="6" name="Номер слайда 5"/>
+            <a:endParaRPr lang="en-US"/>
+          </a:p>
+        </p:txBody>
+      </p:sp>
+      <p:sp>
+        <p:nvSpPr>
+          <p:cNvPr id="6" name="Slide Number Placeholder 5"/>
           <p:cNvSpPr>
             <a:spLocks noGrp="1"/>
           </p:cNvSpPr>
@@ -285,18 +329,18 @@
           <a:bodyPr/>
           <a:lstStyle/>
           <a:p>
-            <a:fld id="{EA98548A-E96F-4CD2-A02E-3E43B30C4D0F}" type="slidenum">
-              <a:rPr lang="ru-RU" smtClean="0"/>
+            <a:fld id="{C1FF6DA9-008F-8B48-92A6-B652298478BF}" type="slidenum">
+              <a:rPr lang="en-US" smtClean="0"/>
               <a:t>‹#›</a:t>
             </a:fld>
-            <a:endParaRPr lang="ru-RU"/>
+            <a:endParaRPr lang="en-US"/>
           </a:p>
         </p:txBody>
       </p:sp>
     </p:spTree>
     <p:extLst>
       <p:ext uri="{BB962C8B-B14F-4D97-AF65-F5344CB8AC3E}">
-        <p14:creationId xmlns:p14="http://schemas.microsoft.com/office/powerpoint/2010/main" val="2354658391"/>
+        <p14:creationId xmlns:p14="http://schemas.microsoft.com/office/powerpoint/2010/main" val="3168075583"/>
       </p:ext>
     </p:extLst>
   </p:cSld>
@@ -308,7 +352,7 @@
 
 <file path=ppt/slideLayouts/slideLayout10.xml><?xml version="1.0" encoding="utf-8"?>
 <p:sldLayout xmlns:a="http://schemas.openxmlformats.org/drawingml/2006/main" xmlns:r="http://schemas.openxmlformats.org/officeDocument/2006/relationships" xmlns:p="http://schemas.openxmlformats.org/presentationml/2006/main" type="vertTx" preserve="1">
-  <p:cSld name="Заголовок и вертикальный текст">
+  <p:cSld name="Title and Vertical Text">
     <p:spTree>
       <p:nvGrpSpPr>
         <p:cNvPr id="1" name=""/>
@@ -325,7 +369,7 @@
       </p:grpSpPr>
       <p:sp>
         <p:nvSpPr>
-          <p:cNvPr id="2" name="Заголовок 1"/>
+          <p:cNvPr id="2" name="Title 1"/>
           <p:cNvSpPr>
             <a:spLocks noGrp="1"/>
           </p:cNvSpPr>
@@ -339,16 +383,16 @@
           <a:lstStyle/>
           <a:p>
             <a:r>
-              <a:rPr lang="ru-RU" smtClean="0"/>
-              <a:t>Образец заголовка</a:t>
-            </a:r>
-            <a:endParaRPr lang="ru-RU"/>
-          </a:p>
-        </p:txBody>
-      </p:sp>
-      <p:sp>
-        <p:nvSpPr>
-          <p:cNvPr id="3" name="Вертикальный текст 2"/>
+              <a:rPr lang="en-US" smtClean="0"/>
+              <a:t>Click to edit Master title style</a:t>
+            </a:r>
+            <a:endParaRPr lang="en-US"/>
+          </a:p>
+        </p:txBody>
+      </p:sp>
+      <p:sp>
+        <p:nvSpPr>
+          <p:cNvPr id="3" name="Vertical Text Placeholder 2"/>
           <p:cNvSpPr>
             <a:spLocks noGrp="1"/>
           </p:cNvSpPr>
@@ -363,44 +407,44 @@
           <a:p>
             <a:pPr lvl="0"/>
             <a:r>
-              <a:rPr lang="ru-RU" smtClean="0"/>
-              <a:t>Образец текста</a:t>
+              <a:rPr lang="en-US" smtClean="0"/>
+              <a:t>Click to edit Master text styles</a:t>
             </a:r>
           </a:p>
           <a:p>
             <a:pPr lvl="1"/>
             <a:r>
-              <a:rPr lang="ru-RU" smtClean="0"/>
-              <a:t>Второй уровень</a:t>
+              <a:rPr lang="en-US" smtClean="0"/>
+              <a:t>Second level</a:t>
             </a:r>
           </a:p>
           <a:p>
             <a:pPr lvl="2"/>
             <a:r>
-              <a:rPr lang="ru-RU" smtClean="0"/>
-              <a:t>Третий уровень</a:t>
+              <a:rPr lang="en-US" smtClean="0"/>
+              <a:t>Third level</a:t>
             </a:r>
           </a:p>
           <a:p>
             <a:pPr lvl="3"/>
             <a:r>
-              <a:rPr lang="ru-RU" smtClean="0"/>
-              <a:t>Четвертый уровень</a:t>
+              <a:rPr lang="en-US" smtClean="0"/>
+              <a:t>Fourth level</a:t>
             </a:r>
           </a:p>
           <a:p>
             <a:pPr lvl="4"/>
             <a:r>
-              <a:rPr lang="ru-RU" smtClean="0"/>
-              <a:t>Пятый уровень</a:t>
-            </a:r>
-            <a:endParaRPr lang="ru-RU"/>
-          </a:p>
-        </p:txBody>
-      </p:sp>
-      <p:sp>
-        <p:nvSpPr>
-          <p:cNvPr id="4" name="Дата 3"/>
+              <a:rPr lang="en-US" smtClean="0"/>
+              <a:t>Fifth level</a:t>
+            </a:r>
+            <a:endParaRPr lang="en-US"/>
+          </a:p>
+        </p:txBody>
+      </p:sp>
+      <p:sp>
+        <p:nvSpPr>
+          <p:cNvPr id="4" name="Date Placeholder 3"/>
           <p:cNvSpPr>
             <a:spLocks noGrp="1"/>
           </p:cNvSpPr>
@@ -413,17 +457,17 @@
           <a:bodyPr/>
           <a:lstStyle/>
           <a:p>
-            <a:fld id="{DD065C8D-B095-4B70-8A9A-37BF157D54D2}" type="datetimeFigureOut">
-              <a:rPr lang="ru-RU" smtClean="0"/>
-              <a:t>31.05.2025</a:t>
+            <a:fld id="{5BCAD085-E8A6-8845-BD4E-CB4CCA059FC4}" type="datetimeFigureOut">
+              <a:rPr lang="en-US" smtClean="0"/>
+              <a:t>1/27/13</a:t>
             </a:fld>
-            <a:endParaRPr lang="ru-RU"/>
-          </a:p>
-        </p:txBody>
-      </p:sp>
-      <p:sp>
-        <p:nvSpPr>
-          <p:cNvPr id="5" name="Нижний колонтитул 4"/>
+            <a:endParaRPr lang="en-US"/>
+          </a:p>
+        </p:txBody>
+      </p:sp>
+      <p:sp>
+        <p:nvSpPr>
+          <p:cNvPr id="5" name="Footer Placeholder 4"/>
           <p:cNvSpPr>
             <a:spLocks noGrp="1"/>
           </p:cNvSpPr>
@@ -436,13 +480,13 @@
           <a:bodyPr/>
           <a:lstStyle/>
           <a:p>
-            <a:endParaRPr lang="ru-RU"/>
-          </a:p>
-        </p:txBody>
-      </p:sp>
-      <p:sp>
-        <p:nvSpPr>
-          <p:cNvPr id="6" name="Номер слайда 5"/>
+            <a:endParaRPr lang="en-US"/>
+          </a:p>
+        </p:txBody>
+      </p:sp>
+      <p:sp>
+        <p:nvSpPr>
+          <p:cNvPr id="6" name="Slide Number Placeholder 5"/>
           <p:cNvSpPr>
             <a:spLocks noGrp="1"/>
           </p:cNvSpPr>
@@ -455,18 +499,18 @@
           <a:bodyPr/>
           <a:lstStyle/>
           <a:p>
-            <a:fld id="{EA98548A-E96F-4CD2-A02E-3E43B30C4D0F}" type="slidenum">
-              <a:rPr lang="ru-RU" smtClean="0"/>
+            <a:fld id="{C1FF6DA9-008F-8B48-92A6-B652298478BF}" type="slidenum">
+              <a:rPr lang="en-US" smtClean="0"/>
               <a:t>‹#›</a:t>
             </a:fld>
-            <a:endParaRPr lang="ru-RU"/>
+            <a:endParaRPr lang="en-US"/>
           </a:p>
         </p:txBody>
       </p:sp>
     </p:spTree>
     <p:extLst>
       <p:ext uri="{BB962C8B-B14F-4D97-AF65-F5344CB8AC3E}">
-        <p14:creationId xmlns:p14="http://schemas.microsoft.com/office/powerpoint/2010/main" val="226020564"/>
+        <p14:creationId xmlns:p14="http://schemas.microsoft.com/office/powerpoint/2010/main" val="2910927964"/>
       </p:ext>
     </p:extLst>
   </p:cSld>
@@ -478,7 +522,7 @@
 
 <file path=ppt/slideLayouts/slideLayout11.xml><?xml version="1.0" encoding="utf-8"?>
 <p:sldLayout xmlns:a="http://schemas.openxmlformats.org/drawingml/2006/main" xmlns:r="http://schemas.openxmlformats.org/officeDocument/2006/relationships" xmlns:p="http://schemas.openxmlformats.org/presentationml/2006/main" type="vertTitleAndTx" preserve="1">
-  <p:cSld name="Вертикальный заголовок и текст">
+  <p:cSld name="Vertical Title and Text">
     <p:spTree>
       <p:nvGrpSpPr>
         <p:cNvPr id="1" name=""/>
@@ -495,7 +539,7 @@
       </p:grpSpPr>
       <p:sp>
         <p:nvSpPr>
-          <p:cNvPr id="2" name="Вертикальный заголовок 1"/>
+          <p:cNvPr id="2" name="Vertical Title 1"/>
           <p:cNvSpPr>
             <a:spLocks noGrp="1"/>
           </p:cNvSpPr>
@@ -505,8 +549,8 @@
         </p:nvSpPr>
         <p:spPr>
           <a:xfrm>
-            <a:off x="8724900" y="365125"/>
-            <a:ext cx="2628900" cy="5811838"/>
+            <a:off x="6629400" y="274638"/>
+            <a:ext cx="2057400" cy="5851525"/>
           </a:xfrm>
         </p:spPr>
         <p:txBody>
@@ -514,16 +558,16 @@
           <a:lstStyle/>
           <a:p>
             <a:r>
-              <a:rPr lang="ru-RU" smtClean="0"/>
-              <a:t>Образец заголовка</a:t>
-            </a:r>
-            <a:endParaRPr lang="ru-RU"/>
-          </a:p>
-        </p:txBody>
-      </p:sp>
-      <p:sp>
-        <p:nvSpPr>
-          <p:cNvPr id="3" name="Вертикальный текст 2"/>
+              <a:rPr lang="en-US" smtClean="0"/>
+              <a:t>Click to edit Master title style</a:t>
+            </a:r>
+            <a:endParaRPr lang="en-US"/>
+          </a:p>
+        </p:txBody>
+      </p:sp>
+      <p:sp>
+        <p:nvSpPr>
+          <p:cNvPr id="3" name="Vertical Text Placeholder 2"/>
           <p:cNvSpPr>
             <a:spLocks noGrp="1"/>
           </p:cNvSpPr>
@@ -533,8 +577,8 @@
         </p:nvSpPr>
         <p:spPr>
           <a:xfrm>
-            <a:off x="838200" y="365125"/>
-            <a:ext cx="7734300" cy="5811838"/>
+            <a:off x="457200" y="274638"/>
+            <a:ext cx="6019800" cy="5851525"/>
           </a:xfrm>
         </p:spPr>
         <p:txBody>
@@ -543,44 +587,44 @@
           <a:p>
             <a:pPr lvl="0"/>
             <a:r>
-              <a:rPr lang="ru-RU" smtClean="0"/>
-              <a:t>Образец текста</a:t>
+              <a:rPr lang="en-US" smtClean="0"/>
+              <a:t>Click to edit Master text styles</a:t>
             </a:r>
           </a:p>
           <a:p>
             <a:pPr lvl="1"/>
             <a:r>
-              <a:rPr lang="ru-RU" smtClean="0"/>
-              <a:t>Второй уровень</a:t>
+              <a:rPr lang="en-US" smtClean="0"/>
+              <a:t>Second level</a:t>
             </a:r>
           </a:p>
           <a:p>
             <a:pPr lvl="2"/>
             <a:r>
-              <a:rPr lang="ru-RU" smtClean="0"/>
-              <a:t>Третий уровень</a:t>
+              <a:rPr lang="en-US" smtClean="0"/>
+              <a:t>Third level</a:t>
             </a:r>
           </a:p>
           <a:p>
             <a:pPr lvl="3"/>
             <a:r>
-              <a:rPr lang="ru-RU" smtClean="0"/>
-              <a:t>Четвертый уровень</a:t>
+              <a:rPr lang="en-US" smtClean="0"/>
+              <a:t>Fourth level</a:t>
             </a:r>
           </a:p>
           <a:p>
             <a:pPr lvl="4"/>
             <a:r>
-              <a:rPr lang="ru-RU" smtClean="0"/>
-              <a:t>Пятый уровень</a:t>
-            </a:r>
-            <a:endParaRPr lang="ru-RU"/>
-          </a:p>
-        </p:txBody>
-      </p:sp>
-      <p:sp>
-        <p:nvSpPr>
-          <p:cNvPr id="4" name="Дата 3"/>
+              <a:rPr lang="en-US" smtClean="0"/>
+              <a:t>Fifth level</a:t>
+            </a:r>
+            <a:endParaRPr lang="en-US"/>
+          </a:p>
+        </p:txBody>
+      </p:sp>
+      <p:sp>
+        <p:nvSpPr>
+          <p:cNvPr id="4" name="Date Placeholder 3"/>
           <p:cNvSpPr>
             <a:spLocks noGrp="1"/>
           </p:cNvSpPr>
@@ -593,17 +637,17 @@
           <a:bodyPr/>
           <a:lstStyle/>
           <a:p>
-            <a:fld id="{DD065C8D-B095-4B70-8A9A-37BF157D54D2}" type="datetimeFigureOut">
-              <a:rPr lang="ru-RU" smtClean="0"/>
-              <a:t>31.05.2025</a:t>
+            <a:fld id="{5BCAD085-E8A6-8845-BD4E-CB4CCA059FC4}" type="datetimeFigureOut">
+              <a:rPr lang="en-US" smtClean="0"/>
+              <a:t>1/27/13</a:t>
             </a:fld>
-            <a:endParaRPr lang="ru-RU"/>
-          </a:p>
-        </p:txBody>
-      </p:sp>
-      <p:sp>
-        <p:nvSpPr>
-          <p:cNvPr id="5" name="Нижний колонтитул 4"/>
+            <a:endParaRPr lang="en-US"/>
+          </a:p>
+        </p:txBody>
+      </p:sp>
+      <p:sp>
+        <p:nvSpPr>
+          <p:cNvPr id="5" name="Footer Placeholder 4"/>
           <p:cNvSpPr>
             <a:spLocks noGrp="1"/>
           </p:cNvSpPr>
@@ -616,13 +660,13 @@
           <a:bodyPr/>
           <a:lstStyle/>
           <a:p>
-            <a:endParaRPr lang="ru-RU"/>
-          </a:p>
-        </p:txBody>
-      </p:sp>
-      <p:sp>
-        <p:nvSpPr>
-          <p:cNvPr id="6" name="Номер слайда 5"/>
+            <a:endParaRPr lang="en-US"/>
+          </a:p>
+        </p:txBody>
+      </p:sp>
+      <p:sp>
+        <p:nvSpPr>
+          <p:cNvPr id="6" name="Slide Number Placeholder 5"/>
           <p:cNvSpPr>
             <a:spLocks noGrp="1"/>
           </p:cNvSpPr>
@@ -635,18 +679,18 @@
           <a:bodyPr/>
           <a:lstStyle/>
           <a:p>
-            <a:fld id="{EA98548A-E96F-4CD2-A02E-3E43B30C4D0F}" type="slidenum">
-              <a:rPr lang="ru-RU" smtClean="0"/>
+            <a:fld id="{C1FF6DA9-008F-8B48-92A6-B652298478BF}" type="slidenum">
+              <a:rPr lang="en-US" smtClean="0"/>
               <a:t>‹#›</a:t>
             </a:fld>
-            <a:endParaRPr lang="ru-RU"/>
+            <a:endParaRPr lang="en-US"/>
           </a:p>
         </p:txBody>
       </p:sp>
     </p:spTree>
     <p:extLst>
       <p:ext uri="{BB962C8B-B14F-4D97-AF65-F5344CB8AC3E}">
-        <p14:creationId xmlns:p14="http://schemas.microsoft.com/office/powerpoint/2010/main" val="1775962194"/>
+        <p14:creationId xmlns:p14="http://schemas.microsoft.com/office/powerpoint/2010/main" val="3612223792"/>
       </p:ext>
     </p:extLst>
   </p:cSld>
@@ -658,7 +702,7 @@
 
 <file path=ppt/slideLayouts/slideLayout2.xml><?xml version="1.0" encoding="utf-8"?>
 <p:sldLayout xmlns:a="http://schemas.openxmlformats.org/drawingml/2006/main" xmlns:r="http://schemas.openxmlformats.org/officeDocument/2006/relationships" xmlns:p="http://schemas.openxmlformats.org/presentationml/2006/main" type="obj" preserve="1">
-  <p:cSld name="Заголовок и объект">
+  <p:cSld name="Title and Content">
     <p:spTree>
       <p:nvGrpSpPr>
         <p:cNvPr id="1" name=""/>
@@ -675,7 +719,7 @@
       </p:grpSpPr>
       <p:sp>
         <p:nvSpPr>
-          <p:cNvPr id="2" name="Заголовок 1"/>
+          <p:cNvPr id="2" name="Title 1"/>
           <p:cNvSpPr>
             <a:spLocks noGrp="1"/>
           </p:cNvSpPr>
@@ -689,16 +733,16 @@
           <a:lstStyle/>
           <a:p>
             <a:r>
-              <a:rPr lang="ru-RU" smtClean="0"/>
-              <a:t>Образец заголовка</a:t>
-            </a:r>
-            <a:endParaRPr lang="ru-RU"/>
-          </a:p>
-        </p:txBody>
-      </p:sp>
-      <p:sp>
-        <p:nvSpPr>
-          <p:cNvPr id="3" name="Объект 2"/>
+              <a:rPr lang="en-US" smtClean="0"/>
+              <a:t>Click to edit Master title style</a:t>
+            </a:r>
+            <a:endParaRPr lang="en-US"/>
+          </a:p>
+        </p:txBody>
+      </p:sp>
+      <p:sp>
+        <p:nvSpPr>
+          <p:cNvPr id="3" name="Content Placeholder 2"/>
           <p:cNvSpPr>
             <a:spLocks noGrp="1"/>
           </p:cNvSpPr>
@@ -713,44 +757,44 @@
           <a:p>
             <a:pPr lvl="0"/>
             <a:r>
-              <a:rPr lang="ru-RU" smtClean="0"/>
-              <a:t>Образец текста</a:t>
+              <a:rPr lang="en-US" smtClean="0"/>
+              <a:t>Click to edit Master text styles</a:t>
             </a:r>
           </a:p>
           <a:p>
             <a:pPr lvl="1"/>
             <a:r>
-              <a:rPr lang="ru-RU" smtClean="0"/>
-              <a:t>Второй уровень</a:t>
+              <a:rPr lang="en-US" smtClean="0"/>
+              <a:t>Second level</a:t>
             </a:r>
           </a:p>
           <a:p>
             <a:pPr lvl="2"/>
             <a:r>
-              <a:rPr lang="ru-RU" smtClean="0"/>
-              <a:t>Третий уровень</a:t>
+              <a:rPr lang="en-US" smtClean="0"/>
+              <a:t>Third level</a:t>
             </a:r>
           </a:p>
           <a:p>
             <a:pPr lvl="3"/>
             <a:r>
-              <a:rPr lang="ru-RU" smtClean="0"/>
-              <a:t>Четвертый уровень</a:t>
+              <a:rPr lang="en-US" smtClean="0"/>
+              <a:t>Fourth level</a:t>
             </a:r>
           </a:p>
           <a:p>
             <a:pPr lvl="4"/>
             <a:r>
-              <a:rPr lang="ru-RU" smtClean="0"/>
-              <a:t>Пятый уровень</a:t>
-            </a:r>
-            <a:endParaRPr lang="ru-RU"/>
-          </a:p>
-        </p:txBody>
-      </p:sp>
-      <p:sp>
-        <p:nvSpPr>
-          <p:cNvPr id="4" name="Дата 3"/>
+              <a:rPr lang="en-US" smtClean="0"/>
+              <a:t>Fifth level</a:t>
+            </a:r>
+            <a:endParaRPr lang="en-US"/>
+          </a:p>
+        </p:txBody>
+      </p:sp>
+      <p:sp>
+        <p:nvSpPr>
+          <p:cNvPr id="4" name="Date Placeholder 3"/>
           <p:cNvSpPr>
             <a:spLocks noGrp="1"/>
           </p:cNvSpPr>
@@ -763,17 +807,17 @@
           <a:bodyPr/>
           <a:lstStyle/>
           <a:p>
-            <a:fld id="{DD065C8D-B095-4B70-8A9A-37BF157D54D2}" type="datetimeFigureOut">
-              <a:rPr lang="ru-RU" smtClean="0"/>
-              <a:t>31.05.2025</a:t>
+            <a:fld id="{5BCAD085-E8A6-8845-BD4E-CB4CCA059FC4}" type="datetimeFigureOut">
+              <a:rPr lang="en-US" smtClean="0"/>
+              <a:t>1/27/13</a:t>
             </a:fld>
-            <a:endParaRPr lang="ru-RU"/>
-          </a:p>
-        </p:txBody>
-      </p:sp>
-      <p:sp>
-        <p:nvSpPr>
-          <p:cNvPr id="5" name="Нижний колонтитул 4"/>
+            <a:endParaRPr lang="en-US"/>
+          </a:p>
+        </p:txBody>
+      </p:sp>
+      <p:sp>
+        <p:nvSpPr>
+          <p:cNvPr id="5" name="Footer Placeholder 4"/>
           <p:cNvSpPr>
             <a:spLocks noGrp="1"/>
           </p:cNvSpPr>
@@ -786,13 +830,13 @@
           <a:bodyPr/>
           <a:lstStyle/>
           <a:p>
-            <a:endParaRPr lang="ru-RU"/>
-          </a:p>
-        </p:txBody>
-      </p:sp>
-      <p:sp>
-        <p:nvSpPr>
-          <p:cNvPr id="6" name="Номер слайда 5"/>
+            <a:endParaRPr lang="en-US"/>
+          </a:p>
+        </p:txBody>
+      </p:sp>
+      <p:sp>
+        <p:nvSpPr>
+          <p:cNvPr id="6" name="Slide Number Placeholder 5"/>
           <p:cNvSpPr>
             <a:spLocks noGrp="1"/>
           </p:cNvSpPr>
@@ -805,18 +849,18 @@
           <a:bodyPr/>
           <a:lstStyle/>
           <a:p>
-            <a:fld id="{EA98548A-E96F-4CD2-A02E-3E43B30C4D0F}" type="slidenum">
-              <a:rPr lang="ru-RU" smtClean="0"/>
+            <a:fld id="{C1FF6DA9-008F-8B48-92A6-B652298478BF}" type="slidenum">
+              <a:rPr lang="en-US" smtClean="0"/>
               <a:t>‹#›</a:t>
             </a:fld>
-            <a:endParaRPr lang="ru-RU"/>
+            <a:endParaRPr lang="en-US"/>
           </a:p>
         </p:txBody>
       </p:sp>
     </p:spTree>
     <p:extLst>
       <p:ext uri="{BB962C8B-B14F-4D97-AF65-F5344CB8AC3E}">
-        <p14:creationId xmlns:p14="http://schemas.microsoft.com/office/powerpoint/2010/main" val="454809024"/>
+        <p14:creationId xmlns:p14="http://schemas.microsoft.com/office/powerpoint/2010/main" val="2614314258"/>
       </p:ext>
     </p:extLst>
   </p:cSld>
@@ -828,7 +872,7 @@
 
 <file path=ppt/slideLayouts/slideLayout3.xml><?xml version="1.0" encoding="utf-8"?>
 <p:sldLayout xmlns:a="http://schemas.openxmlformats.org/drawingml/2006/main" xmlns:r="http://schemas.openxmlformats.org/officeDocument/2006/relationships" xmlns:p="http://schemas.openxmlformats.org/presentationml/2006/main" type="secHead" preserve="1">
-  <p:cSld name="Заголовок раздела">
+  <p:cSld name="Section Header">
     <p:spTree>
       <p:nvGrpSpPr>
         <p:cNvPr id="1" name=""/>
@@ -845,7 +889,7 @@
       </p:grpSpPr>
       <p:sp>
         <p:nvSpPr>
-          <p:cNvPr id="2" name="Заголовок 1"/>
+          <p:cNvPr id="2" name="Title 1"/>
           <p:cNvSpPr>
             <a:spLocks noGrp="1"/>
           </p:cNvSpPr>
@@ -855,48 +899,48 @@
         </p:nvSpPr>
         <p:spPr>
           <a:xfrm>
-            <a:off x="831850" y="1709738"/>
-            <a:ext cx="10515600" cy="2852737"/>
+            <a:off x="722313" y="4406900"/>
+            <a:ext cx="7772400" cy="1362075"/>
           </a:xfrm>
         </p:spPr>
         <p:txBody>
+          <a:bodyPr anchor="t"/>
+          <a:lstStyle>
+            <a:lvl1pPr algn="l">
+              <a:defRPr sz="4000" b="1" cap="all"/>
+            </a:lvl1pPr>
+          </a:lstStyle>
+          <a:p>
+            <a:r>
+              <a:rPr lang="en-US" smtClean="0"/>
+              <a:t>Click to edit Master title style</a:t>
+            </a:r>
+            <a:endParaRPr lang="en-US"/>
+          </a:p>
+        </p:txBody>
+      </p:sp>
+      <p:sp>
+        <p:nvSpPr>
+          <p:cNvPr id="3" name="Text Placeholder 2"/>
+          <p:cNvSpPr>
+            <a:spLocks noGrp="1"/>
+          </p:cNvSpPr>
+          <p:nvPr>
+            <p:ph type="body" idx="1"/>
+          </p:nvPr>
+        </p:nvSpPr>
+        <p:spPr>
+          <a:xfrm>
+            <a:off x="722313" y="2906713"/>
+            <a:ext cx="7772400" cy="1500187"/>
+          </a:xfrm>
+        </p:spPr>
+        <p:txBody>
           <a:bodyPr anchor="b"/>
           <a:lstStyle>
-            <a:lvl1pPr>
-              <a:defRPr sz="6000"/>
-            </a:lvl1pPr>
-          </a:lstStyle>
-          <a:p>
-            <a:r>
-              <a:rPr lang="ru-RU" smtClean="0"/>
-              <a:t>Образец заголовка</a:t>
-            </a:r>
-            <a:endParaRPr lang="ru-RU"/>
-          </a:p>
-        </p:txBody>
-      </p:sp>
-      <p:sp>
-        <p:nvSpPr>
-          <p:cNvPr id="3" name="Текст 2"/>
-          <p:cNvSpPr>
-            <a:spLocks noGrp="1"/>
-          </p:cNvSpPr>
-          <p:nvPr>
-            <p:ph type="body" idx="1"/>
-          </p:nvPr>
-        </p:nvSpPr>
-        <p:spPr>
-          <a:xfrm>
-            <a:off x="831850" y="4589463"/>
-            <a:ext cx="10515600" cy="1500187"/>
-          </a:xfrm>
-        </p:spPr>
-        <p:txBody>
-          <a:bodyPr/>
-          <a:lstStyle>
             <a:lvl1pPr marL="0" indent="0">
               <a:buNone/>
-              <a:defRPr sz="2400">
+              <a:defRPr sz="2000">
                 <a:solidFill>
                   <a:schemeClr val="tx1">
                     <a:tint val="75000"/>
@@ -906,7 +950,7 @@
             </a:lvl1pPr>
             <a:lvl2pPr marL="457200" indent="0">
               <a:buNone/>
-              <a:defRPr sz="2000">
+              <a:defRPr sz="1800">
                 <a:solidFill>
                   <a:schemeClr val="tx1">
                     <a:tint val="75000"/>
@@ -916,7 +960,7 @@
             </a:lvl2pPr>
             <a:lvl3pPr marL="914400" indent="0">
               <a:buNone/>
-              <a:defRPr sz="1800">
+              <a:defRPr sz="1600">
                 <a:solidFill>
                   <a:schemeClr val="tx1">
                     <a:tint val="75000"/>
@@ -926,7 +970,7 @@
             </a:lvl3pPr>
             <a:lvl4pPr marL="1371600" indent="0">
               <a:buNone/>
-              <a:defRPr sz="1600">
+              <a:defRPr sz="1400">
                 <a:solidFill>
                   <a:schemeClr val="tx1">
                     <a:tint val="75000"/>
@@ -936,7 +980,7 @@
             </a:lvl4pPr>
             <a:lvl5pPr marL="1828800" indent="0">
               <a:buNone/>
-              <a:defRPr sz="1600">
+              <a:defRPr sz="1400">
                 <a:solidFill>
                   <a:schemeClr val="tx1">
                     <a:tint val="75000"/>
@@ -946,7 +990,7 @@
             </a:lvl5pPr>
             <a:lvl6pPr marL="2286000" indent="0">
               <a:buNone/>
-              <a:defRPr sz="1600">
+              <a:defRPr sz="1400">
                 <a:solidFill>
                   <a:schemeClr val="tx1">
                     <a:tint val="75000"/>
@@ -956,7 +1000,7 @@
             </a:lvl6pPr>
             <a:lvl7pPr marL="2743200" indent="0">
               <a:buNone/>
-              <a:defRPr sz="1600">
+              <a:defRPr sz="1400">
                 <a:solidFill>
                   <a:schemeClr val="tx1">
                     <a:tint val="75000"/>
@@ -966,7 +1010,7 @@
             </a:lvl7pPr>
             <a:lvl8pPr marL="3200400" indent="0">
               <a:buNone/>
-              <a:defRPr sz="1600">
+              <a:defRPr sz="1400">
                 <a:solidFill>
                   <a:schemeClr val="tx1">
                     <a:tint val="75000"/>
@@ -976,7 +1020,7 @@
             </a:lvl8pPr>
             <a:lvl9pPr marL="3657600" indent="0">
               <a:buNone/>
-              <a:defRPr sz="1600">
+              <a:defRPr sz="1400">
                 <a:solidFill>
                   <a:schemeClr val="tx1">
                     <a:tint val="75000"/>
@@ -988,15 +1032,15 @@
           <a:p>
             <a:pPr lvl="0"/>
             <a:r>
-              <a:rPr lang="ru-RU" smtClean="0"/>
-              <a:t>Образец текста</a:t>
-            </a:r>
-          </a:p>
-        </p:txBody>
-      </p:sp>
-      <p:sp>
-        <p:nvSpPr>
-          <p:cNvPr id="4" name="Дата 3"/>
+              <a:rPr lang="en-US" smtClean="0"/>
+              <a:t>Click to edit Master text styles</a:t>
+            </a:r>
+          </a:p>
+        </p:txBody>
+      </p:sp>
+      <p:sp>
+        <p:nvSpPr>
+          <p:cNvPr id="4" name="Date Placeholder 3"/>
           <p:cNvSpPr>
             <a:spLocks noGrp="1"/>
           </p:cNvSpPr>
@@ -1009,17 +1053,17 @@
           <a:bodyPr/>
           <a:lstStyle/>
           <a:p>
-            <a:fld id="{DD065C8D-B095-4B70-8A9A-37BF157D54D2}" type="datetimeFigureOut">
-              <a:rPr lang="ru-RU" smtClean="0"/>
-              <a:t>31.05.2025</a:t>
+            <a:fld id="{5BCAD085-E8A6-8845-BD4E-CB4CCA059FC4}" type="datetimeFigureOut">
+              <a:rPr lang="en-US" smtClean="0"/>
+              <a:t>1/27/13</a:t>
             </a:fld>
-            <a:endParaRPr lang="ru-RU"/>
-          </a:p>
-        </p:txBody>
-      </p:sp>
-      <p:sp>
-        <p:nvSpPr>
-          <p:cNvPr id="5" name="Нижний колонтитул 4"/>
+            <a:endParaRPr lang="en-US"/>
+          </a:p>
+        </p:txBody>
+      </p:sp>
+      <p:sp>
+        <p:nvSpPr>
+          <p:cNvPr id="5" name="Footer Placeholder 4"/>
           <p:cNvSpPr>
             <a:spLocks noGrp="1"/>
           </p:cNvSpPr>
@@ -1032,13 +1076,13 @@
           <a:bodyPr/>
           <a:lstStyle/>
           <a:p>
-            <a:endParaRPr lang="ru-RU"/>
-          </a:p>
-        </p:txBody>
-      </p:sp>
-      <p:sp>
-        <p:nvSpPr>
-          <p:cNvPr id="6" name="Номер слайда 5"/>
+            <a:endParaRPr lang="en-US"/>
+          </a:p>
+        </p:txBody>
+      </p:sp>
+      <p:sp>
+        <p:nvSpPr>
+          <p:cNvPr id="6" name="Slide Number Placeholder 5"/>
           <p:cNvSpPr>
             <a:spLocks noGrp="1"/>
           </p:cNvSpPr>
@@ -1051,18 +1095,18 @@
           <a:bodyPr/>
           <a:lstStyle/>
           <a:p>
-            <a:fld id="{EA98548A-E96F-4CD2-A02E-3E43B30C4D0F}" type="slidenum">
-              <a:rPr lang="ru-RU" smtClean="0"/>
+            <a:fld id="{C1FF6DA9-008F-8B48-92A6-B652298478BF}" type="slidenum">
+              <a:rPr lang="en-US" smtClean="0"/>
               <a:t>‹#›</a:t>
             </a:fld>
-            <a:endParaRPr lang="ru-RU"/>
+            <a:endParaRPr lang="en-US"/>
           </a:p>
         </p:txBody>
       </p:sp>
     </p:spTree>
     <p:extLst>
       <p:ext uri="{BB962C8B-B14F-4D97-AF65-F5344CB8AC3E}">
-        <p14:creationId xmlns:p14="http://schemas.microsoft.com/office/powerpoint/2010/main" val="4077804959"/>
+        <p14:creationId xmlns:p14="http://schemas.microsoft.com/office/powerpoint/2010/main" val="960648375"/>
       </p:ext>
     </p:extLst>
   </p:cSld>
@@ -1074,7 +1118,7 @@
 
 <file path=ppt/slideLayouts/slideLayout4.xml><?xml version="1.0" encoding="utf-8"?>
 <p:sldLayout xmlns:a="http://schemas.openxmlformats.org/drawingml/2006/main" xmlns:r="http://schemas.openxmlformats.org/officeDocument/2006/relationships" xmlns:p="http://schemas.openxmlformats.org/presentationml/2006/main" type="twoObj" preserve="1">
-  <p:cSld name="Два объекта">
+  <p:cSld name="Two Content">
     <p:spTree>
       <p:nvGrpSpPr>
         <p:cNvPr id="1" name=""/>
@@ -1091,7 +1135,7 @@
       </p:grpSpPr>
       <p:sp>
         <p:nvSpPr>
-          <p:cNvPr id="2" name="Заголовок 1"/>
+          <p:cNvPr id="2" name="Title 1"/>
           <p:cNvSpPr>
             <a:spLocks noGrp="1"/>
           </p:cNvSpPr>
@@ -1105,16 +1149,16 @@
           <a:lstStyle/>
           <a:p>
             <a:r>
-              <a:rPr lang="ru-RU" smtClean="0"/>
-              <a:t>Образец заголовка</a:t>
-            </a:r>
-            <a:endParaRPr lang="ru-RU"/>
-          </a:p>
-        </p:txBody>
-      </p:sp>
-      <p:sp>
-        <p:nvSpPr>
-          <p:cNvPr id="3" name="Объект 2"/>
+              <a:rPr lang="en-US" smtClean="0"/>
+              <a:t>Click to edit Master title style</a:t>
+            </a:r>
+            <a:endParaRPr lang="en-US"/>
+          </a:p>
+        </p:txBody>
+      </p:sp>
+      <p:sp>
+        <p:nvSpPr>
+          <p:cNvPr id="3" name="Content Placeholder 2"/>
           <p:cNvSpPr>
             <a:spLocks noGrp="1"/>
           </p:cNvSpPr>
@@ -1124,54 +1168,82 @@
         </p:nvSpPr>
         <p:spPr>
           <a:xfrm>
-            <a:off x="838200" y="1825625"/>
-            <a:ext cx="5181600" cy="4351338"/>
+            <a:off x="457200" y="1600200"/>
+            <a:ext cx="4038600" cy="4525963"/>
           </a:xfrm>
         </p:spPr>
         <p:txBody>
           <a:bodyPr/>
-          <a:lstStyle/>
+          <a:lstStyle>
+            <a:lvl1pPr>
+              <a:defRPr sz="2800"/>
+            </a:lvl1pPr>
+            <a:lvl2pPr>
+              <a:defRPr sz="2400"/>
+            </a:lvl2pPr>
+            <a:lvl3pPr>
+              <a:defRPr sz="2000"/>
+            </a:lvl3pPr>
+            <a:lvl4pPr>
+              <a:defRPr sz="1800"/>
+            </a:lvl4pPr>
+            <a:lvl5pPr>
+              <a:defRPr sz="1800"/>
+            </a:lvl5pPr>
+            <a:lvl6pPr>
+              <a:defRPr sz="1800"/>
+            </a:lvl6pPr>
+            <a:lvl7pPr>
+              <a:defRPr sz="1800"/>
+            </a:lvl7pPr>
+            <a:lvl8pPr>
+              <a:defRPr sz="1800"/>
+            </a:lvl8pPr>
+            <a:lvl9pPr>
+              <a:defRPr sz="1800"/>
+            </a:lvl9pPr>
+          </a:lstStyle>
           <a:p>
             <a:pPr lvl="0"/>
             <a:r>
-              <a:rPr lang="ru-RU" smtClean="0"/>
-              <a:t>Образец текста</a:t>
+              <a:rPr lang="en-US" smtClean="0"/>
+              <a:t>Click to edit Master text styles</a:t>
             </a:r>
           </a:p>
           <a:p>
             <a:pPr lvl="1"/>
             <a:r>
-              <a:rPr lang="ru-RU" smtClean="0"/>
-              <a:t>Второй уровень</a:t>
+              <a:rPr lang="en-US" smtClean="0"/>
+              <a:t>Second level</a:t>
             </a:r>
           </a:p>
           <a:p>
             <a:pPr lvl="2"/>
             <a:r>
-              <a:rPr lang="ru-RU" smtClean="0"/>
-              <a:t>Третий уровень</a:t>
+              <a:rPr lang="en-US" smtClean="0"/>
+              <a:t>Third level</a:t>
             </a:r>
           </a:p>
           <a:p>
             <a:pPr lvl="3"/>
             <a:r>
-              <a:rPr lang="ru-RU" smtClean="0"/>
-              <a:t>Четвертый уровень</a:t>
+              <a:rPr lang="en-US" smtClean="0"/>
+              <a:t>Fourth level</a:t>
             </a:r>
           </a:p>
           <a:p>
             <a:pPr lvl="4"/>
             <a:r>
-              <a:rPr lang="ru-RU" smtClean="0"/>
-              <a:t>Пятый уровень</a:t>
-            </a:r>
-            <a:endParaRPr lang="ru-RU"/>
-          </a:p>
-        </p:txBody>
-      </p:sp>
-      <p:sp>
-        <p:nvSpPr>
-          <p:cNvPr id="4" name="Объект 3"/>
+              <a:rPr lang="en-US" smtClean="0"/>
+              <a:t>Fifth level</a:t>
+            </a:r>
+            <a:endParaRPr lang="en-US"/>
+          </a:p>
+        </p:txBody>
+      </p:sp>
+      <p:sp>
+        <p:nvSpPr>
+          <p:cNvPr id="4" name="Content Placeholder 3"/>
           <p:cNvSpPr>
             <a:spLocks noGrp="1"/>
           </p:cNvSpPr>
@@ -1181,54 +1253,82 @@
         </p:nvSpPr>
         <p:spPr>
           <a:xfrm>
-            <a:off x="6172200" y="1825625"/>
-            <a:ext cx="5181600" cy="4351338"/>
+            <a:off x="4648200" y="1600200"/>
+            <a:ext cx="4038600" cy="4525963"/>
           </a:xfrm>
         </p:spPr>
         <p:txBody>
           <a:bodyPr/>
-          <a:lstStyle/>
+          <a:lstStyle>
+            <a:lvl1pPr>
+              <a:defRPr sz="2800"/>
+            </a:lvl1pPr>
+            <a:lvl2pPr>
+              <a:defRPr sz="2400"/>
+            </a:lvl2pPr>
+            <a:lvl3pPr>
+              <a:defRPr sz="2000"/>
+            </a:lvl3pPr>
+            <a:lvl4pPr>
+              <a:defRPr sz="1800"/>
+            </a:lvl4pPr>
+            <a:lvl5pPr>
+              <a:defRPr sz="1800"/>
+            </a:lvl5pPr>
+            <a:lvl6pPr>
+              <a:defRPr sz="1800"/>
+            </a:lvl6pPr>
+            <a:lvl7pPr>
+              <a:defRPr sz="1800"/>
+            </a:lvl7pPr>
+            <a:lvl8pPr>
+              <a:defRPr sz="1800"/>
+            </a:lvl8pPr>
+            <a:lvl9pPr>
+              <a:defRPr sz="1800"/>
+            </a:lvl9pPr>
+          </a:lstStyle>
           <a:p>
             <a:pPr lvl="0"/>
             <a:r>
-              <a:rPr lang="ru-RU" smtClean="0"/>
-              <a:t>Образец текста</a:t>
+              <a:rPr lang="en-US" smtClean="0"/>
+              <a:t>Click to edit Master text styles</a:t>
             </a:r>
           </a:p>
           <a:p>
             <a:pPr lvl="1"/>
             <a:r>
-              <a:rPr lang="ru-RU" smtClean="0"/>
-              <a:t>Второй уровень</a:t>
+              <a:rPr lang="en-US" smtClean="0"/>
+              <a:t>Second level</a:t>
             </a:r>
           </a:p>
           <a:p>
             <a:pPr lvl="2"/>
             <a:r>
-              <a:rPr lang="ru-RU" smtClean="0"/>
-              <a:t>Третий уровень</a:t>
+              <a:rPr lang="en-US" smtClean="0"/>
+              <a:t>Third level</a:t>
             </a:r>
           </a:p>
           <a:p>
             <a:pPr lvl="3"/>
             <a:r>
-              <a:rPr lang="ru-RU" smtClean="0"/>
-              <a:t>Четвертый уровень</a:t>
+              <a:rPr lang="en-US" smtClean="0"/>
+              <a:t>Fourth level</a:t>
             </a:r>
           </a:p>
           <a:p>
             <a:pPr lvl="4"/>
             <a:r>
-              <a:rPr lang="ru-RU" smtClean="0"/>
-              <a:t>Пятый уровень</a:t>
-            </a:r>
-            <a:endParaRPr lang="ru-RU"/>
-          </a:p>
-        </p:txBody>
-      </p:sp>
-      <p:sp>
-        <p:nvSpPr>
-          <p:cNvPr id="5" name="Дата 4"/>
+              <a:rPr lang="en-US" smtClean="0"/>
+              <a:t>Fifth level</a:t>
+            </a:r>
+            <a:endParaRPr lang="en-US"/>
+          </a:p>
+        </p:txBody>
+      </p:sp>
+      <p:sp>
+        <p:nvSpPr>
+          <p:cNvPr id="5" name="Date Placeholder 4"/>
           <p:cNvSpPr>
             <a:spLocks noGrp="1"/>
           </p:cNvSpPr>
@@ -1241,17 +1341,17 @@
           <a:bodyPr/>
           <a:lstStyle/>
           <a:p>
-            <a:fld id="{DD065C8D-B095-4B70-8A9A-37BF157D54D2}" type="datetimeFigureOut">
-              <a:rPr lang="ru-RU" smtClean="0"/>
-              <a:t>31.05.2025</a:t>
+            <a:fld id="{5BCAD085-E8A6-8845-BD4E-CB4CCA059FC4}" type="datetimeFigureOut">
+              <a:rPr lang="en-US" smtClean="0"/>
+              <a:t>1/27/13</a:t>
             </a:fld>
-            <a:endParaRPr lang="ru-RU"/>
-          </a:p>
-        </p:txBody>
-      </p:sp>
-      <p:sp>
-        <p:nvSpPr>
-          <p:cNvPr id="6" name="Нижний колонтитул 5"/>
+            <a:endParaRPr lang="en-US"/>
+          </a:p>
+        </p:txBody>
+      </p:sp>
+      <p:sp>
+        <p:nvSpPr>
+          <p:cNvPr id="6" name="Footer Placeholder 5"/>
           <p:cNvSpPr>
             <a:spLocks noGrp="1"/>
           </p:cNvSpPr>
@@ -1264,13 +1364,13 @@
           <a:bodyPr/>
           <a:lstStyle/>
           <a:p>
-            <a:endParaRPr lang="ru-RU"/>
-          </a:p>
-        </p:txBody>
-      </p:sp>
-      <p:sp>
-        <p:nvSpPr>
-          <p:cNvPr id="7" name="Номер слайда 6"/>
+            <a:endParaRPr lang="en-US"/>
+          </a:p>
+        </p:txBody>
+      </p:sp>
+      <p:sp>
+        <p:nvSpPr>
+          <p:cNvPr id="7" name="Slide Number Placeholder 6"/>
           <p:cNvSpPr>
             <a:spLocks noGrp="1"/>
           </p:cNvSpPr>
@@ -1283,18 +1383,18 @@
           <a:bodyPr/>
           <a:lstStyle/>
           <a:p>
-            <a:fld id="{EA98548A-E96F-4CD2-A02E-3E43B30C4D0F}" type="slidenum">
-              <a:rPr lang="ru-RU" smtClean="0"/>
+            <a:fld id="{C1FF6DA9-008F-8B48-92A6-B652298478BF}" type="slidenum">
+              <a:rPr lang="en-US" smtClean="0"/>
               <a:t>‹#›</a:t>
             </a:fld>
-            <a:endParaRPr lang="ru-RU"/>
+            <a:endParaRPr lang="en-US"/>
           </a:p>
         </p:txBody>
       </p:sp>
     </p:spTree>
     <p:extLst>
       <p:ext uri="{BB962C8B-B14F-4D97-AF65-F5344CB8AC3E}">
-        <p14:creationId xmlns:p14="http://schemas.microsoft.com/office/powerpoint/2010/main" val="977766293"/>
+        <p14:creationId xmlns:p14="http://schemas.microsoft.com/office/powerpoint/2010/main" val="2782244947"/>
       </p:ext>
     </p:extLst>
   </p:cSld>
@@ -1306,7 +1406,7 @@
 
 <file path=ppt/slideLayouts/slideLayout5.xml><?xml version="1.0" encoding="utf-8"?>
 <p:sldLayout xmlns:a="http://schemas.openxmlformats.org/drawingml/2006/main" xmlns:r="http://schemas.openxmlformats.org/officeDocument/2006/relationships" xmlns:p="http://schemas.openxmlformats.org/presentationml/2006/main" type="twoTxTwoObj" preserve="1">
-  <p:cSld name="Сравнение">
+  <p:cSld name="Comparison">
     <p:spTree>
       <p:nvGrpSpPr>
         <p:cNvPr id="1" name=""/>
@@ -1323,46 +1423,45 @@
       </p:grpSpPr>
       <p:sp>
         <p:nvSpPr>
-          <p:cNvPr id="2" name="Заголовок 1"/>
+          <p:cNvPr id="2" name="Title 1"/>
           <p:cNvSpPr>
             <a:spLocks noGrp="1"/>
           </p:cNvSpPr>
           <p:nvPr>
             <p:ph type="title"/>
+          </p:nvPr>
+        </p:nvSpPr>
+        <p:spPr/>
+        <p:txBody>
+          <a:bodyPr/>
+          <a:lstStyle>
+            <a:lvl1pPr>
+              <a:defRPr/>
+            </a:lvl1pPr>
+          </a:lstStyle>
+          <a:p>
+            <a:r>
+              <a:rPr lang="en-US" smtClean="0"/>
+              <a:t>Click to edit Master title style</a:t>
+            </a:r>
+            <a:endParaRPr lang="en-US"/>
+          </a:p>
+        </p:txBody>
+      </p:sp>
+      <p:sp>
+        <p:nvSpPr>
+          <p:cNvPr id="3" name="Text Placeholder 2"/>
+          <p:cNvSpPr>
+            <a:spLocks noGrp="1"/>
+          </p:cNvSpPr>
+          <p:nvPr>
+            <p:ph type="body" idx="1"/>
           </p:nvPr>
         </p:nvSpPr>
         <p:spPr>
           <a:xfrm>
-            <a:off x="839788" y="365125"/>
-            <a:ext cx="10515600" cy="1325563"/>
-          </a:xfrm>
-        </p:spPr>
-        <p:txBody>
-          <a:bodyPr/>
-          <a:lstStyle/>
-          <a:p>
-            <a:r>
-              <a:rPr lang="ru-RU" smtClean="0"/>
-              <a:t>Образец заголовка</a:t>
-            </a:r>
-            <a:endParaRPr lang="ru-RU"/>
-          </a:p>
-        </p:txBody>
-      </p:sp>
-      <p:sp>
-        <p:nvSpPr>
-          <p:cNvPr id="3" name="Текст 2"/>
-          <p:cNvSpPr>
-            <a:spLocks noGrp="1"/>
-          </p:cNvSpPr>
-          <p:nvPr>
-            <p:ph type="body" idx="1"/>
-          </p:nvPr>
-        </p:nvSpPr>
-        <p:spPr>
-          <a:xfrm>
-            <a:off x="839788" y="1681163"/>
-            <a:ext cx="5157787" cy="823912"/>
+            <a:off x="457200" y="1535113"/>
+            <a:ext cx="4040188" cy="639762"/>
           </a:xfrm>
         </p:spPr>
         <p:txBody>
@@ -1408,15 +1507,15 @@
           <a:p>
             <a:pPr lvl="0"/>
             <a:r>
-              <a:rPr lang="ru-RU" smtClean="0"/>
-              <a:t>Образец текста</a:t>
-            </a:r>
-          </a:p>
-        </p:txBody>
-      </p:sp>
-      <p:sp>
-        <p:nvSpPr>
-          <p:cNvPr id="4" name="Объект 3"/>
+              <a:rPr lang="en-US" smtClean="0"/>
+              <a:t>Click to edit Master text styles</a:t>
+            </a:r>
+          </a:p>
+        </p:txBody>
+      </p:sp>
+      <p:sp>
+        <p:nvSpPr>
+          <p:cNvPr id="4" name="Content Placeholder 3"/>
           <p:cNvSpPr>
             <a:spLocks noGrp="1"/>
           </p:cNvSpPr>
@@ -1426,54 +1525,82 @@
         </p:nvSpPr>
         <p:spPr>
           <a:xfrm>
-            <a:off x="839788" y="2505075"/>
-            <a:ext cx="5157787" cy="3684588"/>
+            <a:off x="457200" y="2174875"/>
+            <a:ext cx="4040188" cy="3951288"/>
           </a:xfrm>
         </p:spPr>
         <p:txBody>
           <a:bodyPr/>
-          <a:lstStyle/>
+          <a:lstStyle>
+            <a:lvl1pPr>
+              <a:defRPr sz="2400"/>
+            </a:lvl1pPr>
+            <a:lvl2pPr>
+              <a:defRPr sz="2000"/>
+            </a:lvl2pPr>
+            <a:lvl3pPr>
+              <a:defRPr sz="1800"/>
+            </a:lvl3pPr>
+            <a:lvl4pPr>
+              <a:defRPr sz="1600"/>
+            </a:lvl4pPr>
+            <a:lvl5pPr>
+              <a:defRPr sz="1600"/>
+            </a:lvl5pPr>
+            <a:lvl6pPr>
+              <a:defRPr sz="1600"/>
+            </a:lvl6pPr>
+            <a:lvl7pPr>
+              <a:defRPr sz="1600"/>
+            </a:lvl7pPr>
+            <a:lvl8pPr>
+              <a:defRPr sz="1600"/>
+            </a:lvl8pPr>
+            <a:lvl9pPr>
+              <a:defRPr sz="1600"/>
+            </a:lvl9pPr>
+          </a:lstStyle>
           <a:p>
             <a:pPr lvl="0"/>
             <a:r>
-              <a:rPr lang="ru-RU" smtClean="0"/>
-              <a:t>Образец текста</a:t>
+              <a:rPr lang="en-US" smtClean="0"/>
+              <a:t>Click to edit Master text styles</a:t>
             </a:r>
           </a:p>
           <a:p>
             <a:pPr lvl="1"/>
             <a:r>
-              <a:rPr lang="ru-RU" smtClean="0"/>
-              <a:t>Второй уровень</a:t>
+              <a:rPr lang="en-US" smtClean="0"/>
+              <a:t>Second level</a:t>
             </a:r>
           </a:p>
           <a:p>
             <a:pPr lvl="2"/>
             <a:r>
-              <a:rPr lang="ru-RU" smtClean="0"/>
-              <a:t>Третий уровень</a:t>
+              <a:rPr lang="en-US" smtClean="0"/>
+              <a:t>Third level</a:t>
             </a:r>
           </a:p>
           <a:p>
             <a:pPr lvl="3"/>
             <a:r>
-              <a:rPr lang="ru-RU" smtClean="0"/>
-              <a:t>Четвертый уровень</a:t>
+              <a:rPr lang="en-US" smtClean="0"/>
+              <a:t>Fourth level</a:t>
             </a:r>
           </a:p>
           <a:p>
             <a:pPr lvl="4"/>
             <a:r>
-              <a:rPr lang="ru-RU" smtClean="0"/>
-              <a:t>Пятый уровень</a:t>
-            </a:r>
-            <a:endParaRPr lang="ru-RU"/>
-          </a:p>
-        </p:txBody>
-      </p:sp>
-      <p:sp>
-        <p:nvSpPr>
-          <p:cNvPr id="5" name="Текст 4"/>
+              <a:rPr lang="en-US" smtClean="0"/>
+              <a:t>Fifth level</a:t>
+            </a:r>
+            <a:endParaRPr lang="en-US"/>
+          </a:p>
+        </p:txBody>
+      </p:sp>
+      <p:sp>
+        <p:nvSpPr>
+          <p:cNvPr id="5" name="Text Placeholder 4"/>
           <p:cNvSpPr>
             <a:spLocks noGrp="1"/>
           </p:cNvSpPr>
@@ -1483,8 +1610,8 @@
         </p:nvSpPr>
         <p:spPr>
           <a:xfrm>
-            <a:off x="6172200" y="1681163"/>
-            <a:ext cx="5183188" cy="823912"/>
+            <a:off x="4645025" y="1535113"/>
+            <a:ext cx="4041775" cy="639762"/>
           </a:xfrm>
         </p:spPr>
         <p:txBody>
@@ -1530,15 +1657,15 @@
           <a:p>
             <a:pPr lvl="0"/>
             <a:r>
-              <a:rPr lang="ru-RU" smtClean="0"/>
-              <a:t>Образец текста</a:t>
-            </a:r>
-          </a:p>
-        </p:txBody>
-      </p:sp>
-      <p:sp>
-        <p:nvSpPr>
-          <p:cNvPr id="6" name="Объект 5"/>
+              <a:rPr lang="en-US" smtClean="0"/>
+              <a:t>Click to edit Master text styles</a:t>
+            </a:r>
+          </a:p>
+        </p:txBody>
+      </p:sp>
+      <p:sp>
+        <p:nvSpPr>
+          <p:cNvPr id="6" name="Content Placeholder 5"/>
           <p:cNvSpPr>
             <a:spLocks noGrp="1"/>
           </p:cNvSpPr>
@@ -1548,54 +1675,82 @@
         </p:nvSpPr>
         <p:spPr>
           <a:xfrm>
-            <a:off x="6172200" y="2505075"/>
-            <a:ext cx="5183188" cy="3684588"/>
+            <a:off x="4645025" y="2174875"/>
+            <a:ext cx="4041775" cy="3951288"/>
           </a:xfrm>
         </p:spPr>
         <p:txBody>
           <a:bodyPr/>
-          <a:lstStyle/>
+          <a:lstStyle>
+            <a:lvl1pPr>
+              <a:defRPr sz="2400"/>
+            </a:lvl1pPr>
+            <a:lvl2pPr>
+              <a:defRPr sz="2000"/>
+            </a:lvl2pPr>
+            <a:lvl3pPr>
+              <a:defRPr sz="1800"/>
+            </a:lvl3pPr>
+            <a:lvl4pPr>
+              <a:defRPr sz="1600"/>
+            </a:lvl4pPr>
+            <a:lvl5pPr>
+              <a:defRPr sz="1600"/>
+            </a:lvl5pPr>
+            <a:lvl6pPr>
+              <a:defRPr sz="1600"/>
+            </a:lvl6pPr>
+            <a:lvl7pPr>
+              <a:defRPr sz="1600"/>
+            </a:lvl7pPr>
+            <a:lvl8pPr>
+              <a:defRPr sz="1600"/>
+            </a:lvl8pPr>
+            <a:lvl9pPr>
+              <a:defRPr sz="1600"/>
+            </a:lvl9pPr>
+          </a:lstStyle>
           <a:p>
             <a:pPr lvl="0"/>
             <a:r>
-              <a:rPr lang="ru-RU" smtClean="0"/>
-              <a:t>Образец текста</a:t>
+              <a:rPr lang="en-US" smtClean="0"/>
+              <a:t>Click to edit Master text styles</a:t>
             </a:r>
           </a:p>
           <a:p>
             <a:pPr lvl="1"/>
             <a:r>
-              <a:rPr lang="ru-RU" smtClean="0"/>
-              <a:t>Второй уровень</a:t>
+              <a:rPr lang="en-US" smtClean="0"/>
+              <a:t>Second level</a:t>
             </a:r>
           </a:p>
           <a:p>
             <a:pPr lvl="2"/>
             <a:r>
-              <a:rPr lang="ru-RU" smtClean="0"/>
-              <a:t>Третий уровень</a:t>
+              <a:rPr lang="en-US" smtClean="0"/>
+              <a:t>Third level</a:t>
             </a:r>
           </a:p>
           <a:p>
             <a:pPr lvl="3"/>
             <a:r>
-              <a:rPr lang="ru-RU" smtClean="0"/>
-              <a:t>Четвертый уровень</a:t>
+              <a:rPr lang="en-US" smtClean="0"/>
+              <a:t>Fourth level</a:t>
             </a:r>
           </a:p>
           <a:p>
             <a:pPr lvl="4"/>
             <a:r>
-              <a:rPr lang="ru-RU" smtClean="0"/>
-              <a:t>Пятый уровень</a:t>
-            </a:r>
-            <a:endParaRPr lang="ru-RU"/>
-          </a:p>
-        </p:txBody>
-      </p:sp>
-      <p:sp>
-        <p:nvSpPr>
-          <p:cNvPr id="7" name="Дата 6"/>
+              <a:rPr lang="en-US" smtClean="0"/>
+              <a:t>Fifth level</a:t>
+            </a:r>
+            <a:endParaRPr lang="en-US"/>
+          </a:p>
+        </p:txBody>
+      </p:sp>
+      <p:sp>
+        <p:nvSpPr>
+          <p:cNvPr id="7" name="Date Placeholder 6"/>
           <p:cNvSpPr>
             <a:spLocks noGrp="1"/>
           </p:cNvSpPr>
@@ -1608,17 +1763,17 @@
           <a:bodyPr/>
           <a:lstStyle/>
           <a:p>
-            <a:fld id="{DD065C8D-B095-4B70-8A9A-37BF157D54D2}" type="datetimeFigureOut">
-              <a:rPr lang="ru-RU" smtClean="0"/>
-              <a:t>31.05.2025</a:t>
+            <a:fld id="{5BCAD085-E8A6-8845-BD4E-CB4CCA059FC4}" type="datetimeFigureOut">
+              <a:rPr lang="en-US" smtClean="0"/>
+              <a:t>1/27/13</a:t>
             </a:fld>
-            <a:endParaRPr lang="ru-RU"/>
-          </a:p>
-        </p:txBody>
-      </p:sp>
-      <p:sp>
-        <p:nvSpPr>
-          <p:cNvPr id="8" name="Нижний колонтитул 7"/>
+            <a:endParaRPr lang="en-US"/>
+          </a:p>
+        </p:txBody>
+      </p:sp>
+      <p:sp>
+        <p:nvSpPr>
+          <p:cNvPr id="8" name="Footer Placeholder 7"/>
           <p:cNvSpPr>
             <a:spLocks noGrp="1"/>
           </p:cNvSpPr>
@@ -1631,13 +1786,13 @@
           <a:bodyPr/>
           <a:lstStyle/>
           <a:p>
-            <a:endParaRPr lang="ru-RU"/>
-          </a:p>
-        </p:txBody>
-      </p:sp>
-      <p:sp>
-        <p:nvSpPr>
-          <p:cNvPr id="9" name="Номер слайда 8"/>
+            <a:endParaRPr lang="en-US"/>
+          </a:p>
+        </p:txBody>
+      </p:sp>
+      <p:sp>
+        <p:nvSpPr>
+          <p:cNvPr id="9" name="Slide Number Placeholder 8"/>
           <p:cNvSpPr>
             <a:spLocks noGrp="1"/>
           </p:cNvSpPr>
@@ -1650,18 +1805,18 @@
           <a:bodyPr/>
           <a:lstStyle/>
           <a:p>
-            <a:fld id="{EA98548A-E96F-4CD2-A02E-3E43B30C4D0F}" type="slidenum">
-              <a:rPr lang="ru-RU" smtClean="0"/>
+            <a:fld id="{C1FF6DA9-008F-8B48-92A6-B652298478BF}" type="slidenum">
+              <a:rPr lang="en-US" smtClean="0"/>
               <a:t>‹#›</a:t>
             </a:fld>
-            <a:endParaRPr lang="ru-RU"/>
+            <a:endParaRPr lang="en-US"/>
           </a:p>
         </p:txBody>
       </p:sp>
     </p:spTree>
     <p:extLst>
       <p:ext uri="{BB962C8B-B14F-4D97-AF65-F5344CB8AC3E}">
-        <p14:creationId xmlns:p14="http://schemas.microsoft.com/office/powerpoint/2010/main" val="2050823681"/>
+        <p14:creationId xmlns:p14="http://schemas.microsoft.com/office/powerpoint/2010/main" val="990158736"/>
       </p:ext>
     </p:extLst>
   </p:cSld>
@@ -1673,7 +1828,7 @@
 
 <file path=ppt/slideLayouts/slideLayout6.xml><?xml version="1.0" encoding="utf-8"?>
 <p:sldLayout xmlns:a="http://schemas.openxmlformats.org/drawingml/2006/main" xmlns:r="http://schemas.openxmlformats.org/officeDocument/2006/relationships" xmlns:p="http://schemas.openxmlformats.org/presentationml/2006/main" type="titleOnly" preserve="1">
-  <p:cSld name="Только заголовок">
+  <p:cSld name="Title Only">
     <p:spTree>
       <p:nvGrpSpPr>
         <p:cNvPr id="1" name=""/>
@@ -1690,7 +1845,7 @@
       </p:grpSpPr>
       <p:sp>
         <p:nvSpPr>
-          <p:cNvPr id="2" name="Заголовок 1"/>
+          <p:cNvPr id="2" name="Title 1"/>
           <p:cNvSpPr>
             <a:spLocks noGrp="1"/>
           </p:cNvSpPr>
@@ -1704,16 +1859,16 @@
           <a:lstStyle/>
           <a:p>
             <a:r>
-              <a:rPr lang="ru-RU" smtClean="0"/>
-              <a:t>Образец заголовка</a:t>
-            </a:r>
-            <a:endParaRPr lang="ru-RU"/>
-          </a:p>
-        </p:txBody>
-      </p:sp>
-      <p:sp>
-        <p:nvSpPr>
-          <p:cNvPr id="3" name="Дата 2"/>
+              <a:rPr lang="en-US" smtClean="0"/>
+              <a:t>Click to edit Master title style</a:t>
+            </a:r>
+            <a:endParaRPr lang="en-US"/>
+          </a:p>
+        </p:txBody>
+      </p:sp>
+      <p:sp>
+        <p:nvSpPr>
+          <p:cNvPr id="3" name="Date Placeholder 2"/>
           <p:cNvSpPr>
             <a:spLocks noGrp="1"/>
           </p:cNvSpPr>
@@ -1726,17 +1881,17 @@
           <a:bodyPr/>
           <a:lstStyle/>
           <a:p>
-            <a:fld id="{DD065C8D-B095-4B70-8A9A-37BF157D54D2}" type="datetimeFigureOut">
-              <a:rPr lang="ru-RU" smtClean="0"/>
-              <a:t>31.05.2025</a:t>
+            <a:fld id="{5BCAD085-E8A6-8845-BD4E-CB4CCA059FC4}" type="datetimeFigureOut">
+              <a:rPr lang="en-US" smtClean="0"/>
+              <a:t>1/27/13</a:t>
             </a:fld>
-            <a:endParaRPr lang="ru-RU"/>
-          </a:p>
-        </p:txBody>
-      </p:sp>
-      <p:sp>
-        <p:nvSpPr>
-          <p:cNvPr id="4" name="Нижний колонтитул 3"/>
+            <a:endParaRPr lang="en-US"/>
+          </a:p>
+        </p:txBody>
+      </p:sp>
+      <p:sp>
+        <p:nvSpPr>
+          <p:cNvPr id="4" name="Footer Placeholder 3"/>
           <p:cNvSpPr>
             <a:spLocks noGrp="1"/>
           </p:cNvSpPr>
@@ -1749,13 +1904,13 @@
           <a:bodyPr/>
           <a:lstStyle/>
           <a:p>
-            <a:endParaRPr lang="ru-RU"/>
-          </a:p>
-        </p:txBody>
-      </p:sp>
-      <p:sp>
-        <p:nvSpPr>
-          <p:cNvPr id="5" name="Номер слайда 4"/>
+            <a:endParaRPr lang="en-US"/>
+          </a:p>
+        </p:txBody>
+      </p:sp>
+      <p:sp>
+        <p:nvSpPr>
+          <p:cNvPr id="5" name="Slide Number Placeholder 4"/>
           <p:cNvSpPr>
             <a:spLocks noGrp="1"/>
           </p:cNvSpPr>
@@ -1768,18 +1923,18 @@
           <a:bodyPr/>
           <a:lstStyle/>
           <a:p>
-            <a:fld id="{EA98548A-E96F-4CD2-A02E-3E43B30C4D0F}" type="slidenum">
-              <a:rPr lang="ru-RU" smtClean="0"/>
+            <a:fld id="{C1FF6DA9-008F-8B48-92A6-B652298478BF}" type="slidenum">
+              <a:rPr lang="en-US" smtClean="0"/>
               <a:t>‹#›</a:t>
             </a:fld>
-            <a:endParaRPr lang="ru-RU"/>
+            <a:endParaRPr lang="en-US"/>
           </a:p>
         </p:txBody>
       </p:sp>
     </p:spTree>
     <p:extLst>
       <p:ext uri="{BB962C8B-B14F-4D97-AF65-F5344CB8AC3E}">
-        <p14:creationId xmlns:p14="http://schemas.microsoft.com/office/powerpoint/2010/main" val="1008365742"/>
+        <p14:creationId xmlns:p14="http://schemas.microsoft.com/office/powerpoint/2010/main" val="727027711"/>
       </p:ext>
     </p:extLst>
   </p:cSld>
@@ -1791,7 +1946,7 @@
 
 <file path=ppt/slideLayouts/slideLayout7.xml><?xml version="1.0" encoding="utf-8"?>
 <p:sldLayout xmlns:a="http://schemas.openxmlformats.org/drawingml/2006/main" xmlns:r="http://schemas.openxmlformats.org/officeDocument/2006/relationships" xmlns:p="http://schemas.openxmlformats.org/presentationml/2006/main" type="blank" preserve="1">
-  <p:cSld name="Пустой слайд">
+  <p:cSld name="Blank">
     <p:spTree>
       <p:nvGrpSpPr>
         <p:cNvPr id="1" name=""/>
@@ -1808,7 +1963,7 @@
       </p:grpSpPr>
       <p:sp>
         <p:nvSpPr>
-          <p:cNvPr id="2" name="Дата 1"/>
+          <p:cNvPr id="2" name="Date Placeholder 1"/>
           <p:cNvSpPr>
             <a:spLocks noGrp="1"/>
           </p:cNvSpPr>
@@ -1821,17 +1976,17 @@
           <a:bodyPr/>
           <a:lstStyle/>
           <a:p>
-            <a:fld id="{DD065C8D-B095-4B70-8A9A-37BF157D54D2}" type="datetimeFigureOut">
-              <a:rPr lang="ru-RU" smtClean="0"/>
-              <a:t>31.05.2025</a:t>
+            <a:fld id="{5BCAD085-E8A6-8845-BD4E-CB4CCA059FC4}" type="datetimeFigureOut">
+              <a:rPr lang="en-US" smtClean="0"/>
+              <a:t>1/27/13</a:t>
             </a:fld>
-            <a:endParaRPr lang="ru-RU"/>
-          </a:p>
-        </p:txBody>
-      </p:sp>
-      <p:sp>
-        <p:nvSpPr>
-          <p:cNvPr id="3" name="Нижний колонтитул 2"/>
+            <a:endParaRPr lang="en-US"/>
+          </a:p>
+        </p:txBody>
+      </p:sp>
+      <p:sp>
+        <p:nvSpPr>
+          <p:cNvPr id="3" name="Footer Placeholder 2"/>
           <p:cNvSpPr>
             <a:spLocks noGrp="1"/>
           </p:cNvSpPr>
@@ -1844,13 +1999,13 @@
           <a:bodyPr/>
           <a:lstStyle/>
           <a:p>
-            <a:endParaRPr lang="ru-RU"/>
-          </a:p>
-        </p:txBody>
-      </p:sp>
-      <p:sp>
-        <p:nvSpPr>
-          <p:cNvPr id="4" name="Номер слайда 3"/>
+            <a:endParaRPr lang="en-US"/>
+          </a:p>
+        </p:txBody>
+      </p:sp>
+      <p:sp>
+        <p:nvSpPr>
+          <p:cNvPr id="4" name="Slide Number Placeholder 3"/>
           <p:cNvSpPr>
             <a:spLocks noGrp="1"/>
           </p:cNvSpPr>
@@ -1863,18 +2018,18 @@
           <a:bodyPr/>
           <a:lstStyle/>
           <a:p>
-            <a:fld id="{EA98548A-E96F-4CD2-A02E-3E43B30C4D0F}" type="slidenum">
-              <a:rPr lang="ru-RU" smtClean="0"/>
+            <a:fld id="{C1FF6DA9-008F-8B48-92A6-B652298478BF}" type="slidenum">
+              <a:rPr lang="en-US" smtClean="0"/>
               <a:t>‹#›</a:t>
             </a:fld>
-            <a:endParaRPr lang="ru-RU"/>
+            <a:endParaRPr lang="en-US"/>
           </a:p>
         </p:txBody>
       </p:sp>
     </p:spTree>
     <p:extLst>
       <p:ext uri="{BB962C8B-B14F-4D97-AF65-F5344CB8AC3E}">
-        <p14:creationId xmlns:p14="http://schemas.microsoft.com/office/powerpoint/2010/main" val="1042679411"/>
+        <p14:creationId xmlns:p14="http://schemas.microsoft.com/office/powerpoint/2010/main" val="1212999818"/>
       </p:ext>
     </p:extLst>
   </p:cSld>
@@ -1886,7 +2041,7 @@
 
 <file path=ppt/slideLayouts/slideLayout8.xml><?xml version="1.0" encoding="utf-8"?>
 <p:sldLayout xmlns:a="http://schemas.openxmlformats.org/drawingml/2006/main" xmlns:r="http://schemas.openxmlformats.org/officeDocument/2006/relationships" xmlns:p="http://schemas.openxmlformats.org/presentationml/2006/main" type="objTx" preserve="1">
-  <p:cSld name="Объект с подписью">
+  <p:cSld name="Content with Caption">
     <p:spTree>
       <p:nvGrpSpPr>
         <p:cNvPr id="1" name=""/>
@@ -1903,7 +2058,7 @@
       </p:grpSpPr>
       <p:sp>
         <p:nvSpPr>
-          <p:cNvPr id="2" name="Заголовок 1"/>
+          <p:cNvPr id="2" name="Title 1"/>
           <p:cNvSpPr>
             <a:spLocks noGrp="1"/>
           </p:cNvSpPr>
@@ -1913,29 +2068,29 @@
         </p:nvSpPr>
         <p:spPr>
           <a:xfrm>
-            <a:off x="839788" y="457200"/>
-            <a:ext cx="3932237" cy="1600200"/>
+            <a:off x="457200" y="273050"/>
+            <a:ext cx="3008313" cy="1162050"/>
           </a:xfrm>
         </p:spPr>
         <p:txBody>
           <a:bodyPr anchor="b"/>
           <a:lstStyle>
-            <a:lvl1pPr>
-              <a:defRPr sz="3200"/>
+            <a:lvl1pPr algn="l">
+              <a:defRPr sz="2000" b="1"/>
             </a:lvl1pPr>
           </a:lstStyle>
           <a:p>
             <a:r>
-              <a:rPr lang="ru-RU" smtClean="0"/>
-              <a:t>Образец заголовка</a:t>
-            </a:r>
-            <a:endParaRPr lang="ru-RU"/>
-          </a:p>
-        </p:txBody>
-      </p:sp>
-      <p:sp>
-        <p:nvSpPr>
-          <p:cNvPr id="3" name="Объект 2"/>
+              <a:rPr lang="en-US" smtClean="0"/>
+              <a:t>Click to edit Master title style</a:t>
+            </a:r>
+            <a:endParaRPr lang="en-US"/>
+          </a:p>
+        </p:txBody>
+      </p:sp>
+      <p:sp>
+        <p:nvSpPr>
+          <p:cNvPr id="3" name="Content Placeholder 2"/>
           <p:cNvSpPr>
             <a:spLocks noGrp="1"/>
           </p:cNvSpPr>
@@ -1945,8 +2100,8 @@
         </p:nvSpPr>
         <p:spPr>
           <a:xfrm>
-            <a:off x="5183188" y="987425"/>
-            <a:ext cx="6172200" cy="4873625"/>
+            <a:off x="3575050" y="273050"/>
+            <a:ext cx="5111750" cy="5853113"/>
           </a:xfrm>
         </p:spPr>
         <p:txBody>
@@ -1983,44 +2138,44 @@
           <a:p>
             <a:pPr lvl="0"/>
             <a:r>
-              <a:rPr lang="ru-RU" smtClean="0"/>
-              <a:t>Образец текста</a:t>
+              <a:rPr lang="en-US" smtClean="0"/>
+              <a:t>Click to edit Master text styles</a:t>
             </a:r>
           </a:p>
           <a:p>
             <a:pPr lvl="1"/>
             <a:r>
-              <a:rPr lang="ru-RU" smtClean="0"/>
-              <a:t>Второй уровень</a:t>
+              <a:rPr lang="en-US" smtClean="0"/>
+              <a:t>Second level</a:t>
             </a:r>
           </a:p>
           <a:p>
             <a:pPr lvl="2"/>
             <a:r>
-              <a:rPr lang="ru-RU" smtClean="0"/>
-              <a:t>Третий уровень</a:t>
+              <a:rPr lang="en-US" smtClean="0"/>
+              <a:t>Third level</a:t>
             </a:r>
           </a:p>
           <a:p>
             <a:pPr lvl="3"/>
             <a:r>
-              <a:rPr lang="ru-RU" smtClean="0"/>
-              <a:t>Четвертый уровень</a:t>
+              <a:rPr lang="en-US" smtClean="0"/>
+              <a:t>Fourth level</a:t>
             </a:r>
           </a:p>
           <a:p>
             <a:pPr lvl="4"/>
             <a:r>
-              <a:rPr lang="ru-RU" smtClean="0"/>
-              <a:t>Пятый уровень</a:t>
-            </a:r>
-            <a:endParaRPr lang="ru-RU"/>
-          </a:p>
-        </p:txBody>
-      </p:sp>
-      <p:sp>
-        <p:nvSpPr>
-          <p:cNvPr id="4" name="Текст 3"/>
+              <a:rPr lang="en-US" smtClean="0"/>
+              <a:t>Fifth level</a:t>
+            </a:r>
+            <a:endParaRPr lang="en-US"/>
+          </a:p>
+        </p:txBody>
+      </p:sp>
+      <p:sp>
+        <p:nvSpPr>
+          <p:cNvPr id="4" name="Text Placeholder 3"/>
           <p:cNvSpPr>
             <a:spLocks noGrp="1"/>
           </p:cNvSpPr>
@@ -2030,8 +2185,8 @@
         </p:nvSpPr>
         <p:spPr>
           <a:xfrm>
-            <a:off x="839788" y="2057400"/>
-            <a:ext cx="3932237" cy="3811588"/>
+            <a:off x="457200" y="1435100"/>
+            <a:ext cx="3008313" cy="4691063"/>
           </a:xfrm>
         </p:spPr>
         <p:txBody>
@@ -2039,53 +2194,53 @@
           <a:lstStyle>
             <a:lvl1pPr marL="0" indent="0">
               <a:buNone/>
-              <a:defRPr sz="1600"/>
+              <a:defRPr sz="1400"/>
             </a:lvl1pPr>
             <a:lvl2pPr marL="457200" indent="0">
               <a:buNone/>
-              <a:defRPr sz="1400"/>
+              <a:defRPr sz="1200"/>
             </a:lvl2pPr>
             <a:lvl3pPr marL="914400" indent="0">
               <a:buNone/>
-              <a:defRPr sz="1200"/>
+              <a:defRPr sz="1000"/>
             </a:lvl3pPr>
             <a:lvl4pPr marL="1371600" indent="0">
               <a:buNone/>
-              <a:defRPr sz="1000"/>
+              <a:defRPr sz="900"/>
             </a:lvl4pPr>
             <a:lvl5pPr marL="1828800" indent="0">
               <a:buNone/>
-              <a:defRPr sz="1000"/>
+              <a:defRPr sz="900"/>
             </a:lvl5pPr>
             <a:lvl6pPr marL="2286000" indent="0">
               <a:buNone/>
-              <a:defRPr sz="1000"/>
+              <a:defRPr sz="900"/>
             </a:lvl6pPr>
             <a:lvl7pPr marL="2743200" indent="0">
               <a:buNone/>
-              <a:defRPr sz="1000"/>
+              <a:defRPr sz="900"/>
             </a:lvl7pPr>
             <a:lvl8pPr marL="3200400" indent="0">
               <a:buNone/>
-              <a:defRPr sz="1000"/>
+              <a:defRPr sz="900"/>
             </a:lvl8pPr>
             <a:lvl9pPr marL="3657600" indent="0">
               <a:buNone/>
-              <a:defRPr sz="1000"/>
+              <a:defRPr sz="900"/>
             </a:lvl9pPr>
           </a:lstStyle>
           <a:p>
             <a:pPr lvl="0"/>
             <a:r>
-              <a:rPr lang="ru-RU" smtClean="0"/>
-              <a:t>Образец текста</a:t>
-            </a:r>
-          </a:p>
-        </p:txBody>
-      </p:sp>
-      <p:sp>
-        <p:nvSpPr>
-          <p:cNvPr id="5" name="Дата 4"/>
+              <a:rPr lang="en-US" smtClean="0"/>
+              <a:t>Click to edit Master text styles</a:t>
+            </a:r>
+          </a:p>
+        </p:txBody>
+      </p:sp>
+      <p:sp>
+        <p:nvSpPr>
+          <p:cNvPr id="5" name="Date Placeholder 4"/>
           <p:cNvSpPr>
             <a:spLocks noGrp="1"/>
           </p:cNvSpPr>
@@ -2098,17 +2253,17 @@
           <a:bodyPr/>
           <a:lstStyle/>
           <a:p>
-            <a:fld id="{DD065C8D-B095-4B70-8A9A-37BF157D54D2}" type="datetimeFigureOut">
-              <a:rPr lang="ru-RU" smtClean="0"/>
-              <a:t>31.05.2025</a:t>
+            <a:fld id="{5BCAD085-E8A6-8845-BD4E-CB4CCA059FC4}" type="datetimeFigureOut">
+              <a:rPr lang="en-US" smtClean="0"/>
+              <a:t>1/27/13</a:t>
             </a:fld>
-            <a:endParaRPr lang="ru-RU"/>
-          </a:p>
-        </p:txBody>
-      </p:sp>
-      <p:sp>
-        <p:nvSpPr>
-          <p:cNvPr id="6" name="Нижний колонтитул 5"/>
+            <a:endParaRPr lang="en-US"/>
+          </a:p>
+        </p:txBody>
+      </p:sp>
+      <p:sp>
+        <p:nvSpPr>
+          <p:cNvPr id="6" name="Footer Placeholder 5"/>
           <p:cNvSpPr>
             <a:spLocks noGrp="1"/>
           </p:cNvSpPr>
@@ -2121,13 +2276,13 @@
           <a:bodyPr/>
           <a:lstStyle/>
           <a:p>
-            <a:endParaRPr lang="ru-RU"/>
-          </a:p>
-        </p:txBody>
-      </p:sp>
-      <p:sp>
-        <p:nvSpPr>
-          <p:cNvPr id="7" name="Номер слайда 6"/>
+            <a:endParaRPr lang="en-US"/>
+          </a:p>
+        </p:txBody>
+      </p:sp>
+      <p:sp>
+        <p:nvSpPr>
+          <p:cNvPr id="7" name="Slide Number Placeholder 6"/>
           <p:cNvSpPr>
             <a:spLocks noGrp="1"/>
           </p:cNvSpPr>
@@ -2140,18 +2295,18 @@
           <a:bodyPr/>
           <a:lstStyle/>
           <a:p>
-            <a:fld id="{EA98548A-E96F-4CD2-A02E-3E43B30C4D0F}" type="slidenum">
-              <a:rPr lang="ru-RU" smtClean="0"/>
+            <a:fld id="{C1FF6DA9-008F-8B48-92A6-B652298478BF}" type="slidenum">
+              <a:rPr lang="en-US" smtClean="0"/>
               <a:t>‹#›</a:t>
             </a:fld>
-            <a:endParaRPr lang="ru-RU"/>
+            <a:endParaRPr lang="en-US"/>
           </a:p>
         </p:txBody>
       </p:sp>
     </p:spTree>
     <p:extLst>
       <p:ext uri="{BB962C8B-B14F-4D97-AF65-F5344CB8AC3E}">
-        <p14:creationId xmlns:p14="http://schemas.microsoft.com/office/powerpoint/2010/main" val="2765421361"/>
+        <p14:creationId xmlns:p14="http://schemas.microsoft.com/office/powerpoint/2010/main" val="1840726560"/>
       </p:ext>
     </p:extLst>
   </p:cSld>
@@ -2163,7 +2318,7 @@
 
 <file path=ppt/slideLayouts/slideLayout9.xml><?xml version="1.0" encoding="utf-8"?>
 <p:sldLayout xmlns:a="http://schemas.openxmlformats.org/drawingml/2006/main" xmlns:r="http://schemas.openxmlformats.org/officeDocument/2006/relationships" xmlns:p="http://schemas.openxmlformats.org/presentationml/2006/main" type="picTx" preserve="1">
-  <p:cSld name="Рисунок с подписью">
+  <p:cSld name="Picture with Caption">
     <p:spTree>
       <p:nvGrpSpPr>
         <p:cNvPr id="1" name=""/>
@@ -2180,7 +2335,7 @@
       </p:grpSpPr>
       <p:sp>
         <p:nvSpPr>
-          <p:cNvPr id="2" name="Заголовок 1"/>
+          <p:cNvPr id="2" name="Title 1"/>
           <p:cNvSpPr>
             <a:spLocks noGrp="1"/>
           </p:cNvSpPr>
@@ -2190,29 +2345,29 @@
         </p:nvSpPr>
         <p:spPr>
           <a:xfrm>
-            <a:off x="839788" y="457200"/>
-            <a:ext cx="3932237" cy="1600200"/>
+            <a:off x="1792288" y="4800600"/>
+            <a:ext cx="5486400" cy="566738"/>
           </a:xfrm>
         </p:spPr>
         <p:txBody>
           <a:bodyPr anchor="b"/>
           <a:lstStyle>
-            <a:lvl1pPr>
-              <a:defRPr sz="3200"/>
+            <a:lvl1pPr algn="l">
+              <a:defRPr sz="2000" b="1"/>
             </a:lvl1pPr>
           </a:lstStyle>
           <a:p>
             <a:r>
-              <a:rPr lang="ru-RU" smtClean="0"/>
-              <a:t>Образец заголовка</a:t>
-            </a:r>
-            <a:endParaRPr lang="ru-RU"/>
-          </a:p>
-        </p:txBody>
-      </p:sp>
-      <p:sp>
-        <p:nvSpPr>
-          <p:cNvPr id="3" name="Рисунок 2"/>
+              <a:rPr lang="en-US" smtClean="0"/>
+              <a:t>Click to edit Master title style</a:t>
+            </a:r>
+            <a:endParaRPr lang="en-US"/>
+          </a:p>
+        </p:txBody>
+      </p:sp>
+      <p:sp>
+        <p:nvSpPr>
+          <p:cNvPr id="3" name="Picture Placeholder 2"/>
           <p:cNvSpPr>
             <a:spLocks noGrp="1"/>
           </p:cNvSpPr>
@@ -2222,8 +2377,8 @@
         </p:nvSpPr>
         <p:spPr>
           <a:xfrm>
-            <a:off x="5183188" y="987425"/>
-            <a:ext cx="6172200" cy="4873625"/>
+            <a:off x="1792288" y="612775"/>
+            <a:ext cx="5486400" cy="4114800"/>
           </a:xfrm>
         </p:spPr>
         <p:txBody>
@@ -2267,13 +2422,13 @@
             </a:lvl9pPr>
           </a:lstStyle>
           <a:p>
-            <a:endParaRPr lang="ru-RU"/>
-          </a:p>
-        </p:txBody>
-      </p:sp>
-      <p:sp>
-        <p:nvSpPr>
-          <p:cNvPr id="4" name="Текст 3"/>
+            <a:endParaRPr lang="en-US"/>
+          </a:p>
+        </p:txBody>
+      </p:sp>
+      <p:sp>
+        <p:nvSpPr>
+          <p:cNvPr id="4" name="Text Placeholder 3"/>
           <p:cNvSpPr>
             <a:spLocks noGrp="1"/>
           </p:cNvSpPr>
@@ -2283,8 +2438,8 @@
         </p:nvSpPr>
         <p:spPr>
           <a:xfrm>
-            <a:off x="839788" y="2057400"/>
-            <a:ext cx="3932237" cy="3811588"/>
+            <a:off x="1792288" y="5367338"/>
+            <a:ext cx="5486400" cy="804862"/>
           </a:xfrm>
         </p:spPr>
         <p:txBody>
@@ -2292,53 +2447,53 @@
           <a:lstStyle>
             <a:lvl1pPr marL="0" indent="0">
               <a:buNone/>
-              <a:defRPr sz="1600"/>
+              <a:defRPr sz="1400"/>
             </a:lvl1pPr>
             <a:lvl2pPr marL="457200" indent="0">
               <a:buNone/>
-              <a:defRPr sz="1400"/>
+              <a:defRPr sz="1200"/>
             </a:lvl2pPr>
             <a:lvl3pPr marL="914400" indent="0">
               <a:buNone/>
-              <a:defRPr sz="1200"/>
+              <a:defRPr sz="1000"/>
             </a:lvl3pPr>
             <a:lvl4pPr marL="1371600" indent="0">
               <a:buNone/>
-              <a:defRPr sz="1000"/>
+              <a:defRPr sz="900"/>
             </a:lvl4pPr>
             <a:lvl5pPr marL="1828800" indent="0">
               <a:buNone/>
-              <a:defRPr sz="1000"/>
+              <a:defRPr sz="900"/>
             </a:lvl5pPr>
             <a:lvl6pPr marL="2286000" indent="0">
               <a:buNone/>
-              <a:defRPr sz="1000"/>
+              <a:defRPr sz="900"/>
             </a:lvl6pPr>
             <a:lvl7pPr marL="2743200" indent="0">
               <a:buNone/>
-              <a:defRPr sz="1000"/>
+              <a:defRPr sz="900"/>
             </a:lvl7pPr>
             <a:lvl8pPr marL="3200400" indent="0">
               <a:buNone/>
-              <a:defRPr sz="1000"/>
+              <a:defRPr sz="900"/>
             </a:lvl8pPr>
             <a:lvl9pPr marL="3657600" indent="0">
               <a:buNone/>
-              <a:defRPr sz="1000"/>
+              <a:defRPr sz="900"/>
             </a:lvl9pPr>
           </a:lstStyle>
           <a:p>
             <a:pPr lvl="0"/>
             <a:r>
-              <a:rPr lang="ru-RU" smtClean="0"/>
-              <a:t>Образец текста</a:t>
-            </a:r>
-          </a:p>
-        </p:txBody>
-      </p:sp>
-      <p:sp>
-        <p:nvSpPr>
-          <p:cNvPr id="5" name="Дата 4"/>
+              <a:rPr lang="en-US" smtClean="0"/>
+              <a:t>Click to edit Master text styles</a:t>
+            </a:r>
+          </a:p>
+        </p:txBody>
+      </p:sp>
+      <p:sp>
+        <p:nvSpPr>
+          <p:cNvPr id="5" name="Date Placeholder 4"/>
           <p:cNvSpPr>
             <a:spLocks noGrp="1"/>
           </p:cNvSpPr>
@@ -2351,17 +2506,17 @@
           <a:bodyPr/>
           <a:lstStyle/>
           <a:p>
-            <a:fld id="{DD065C8D-B095-4B70-8A9A-37BF157D54D2}" type="datetimeFigureOut">
-              <a:rPr lang="ru-RU" smtClean="0"/>
-              <a:t>31.05.2025</a:t>
+            <a:fld id="{5BCAD085-E8A6-8845-BD4E-CB4CCA059FC4}" type="datetimeFigureOut">
+              <a:rPr lang="en-US" smtClean="0"/>
+              <a:t>1/27/13</a:t>
             </a:fld>
-            <a:endParaRPr lang="ru-RU"/>
-          </a:p>
-        </p:txBody>
-      </p:sp>
-      <p:sp>
-        <p:nvSpPr>
-          <p:cNvPr id="6" name="Нижний колонтитул 5"/>
+            <a:endParaRPr lang="en-US"/>
+          </a:p>
+        </p:txBody>
+      </p:sp>
+      <p:sp>
+        <p:nvSpPr>
+          <p:cNvPr id="6" name="Footer Placeholder 5"/>
           <p:cNvSpPr>
             <a:spLocks noGrp="1"/>
           </p:cNvSpPr>
@@ -2374,13 +2529,13 @@
           <a:bodyPr/>
           <a:lstStyle/>
           <a:p>
-            <a:endParaRPr lang="ru-RU"/>
-          </a:p>
-        </p:txBody>
-      </p:sp>
-      <p:sp>
-        <p:nvSpPr>
-          <p:cNvPr id="7" name="Номер слайда 6"/>
+            <a:endParaRPr lang="en-US"/>
+          </a:p>
+        </p:txBody>
+      </p:sp>
+      <p:sp>
+        <p:nvSpPr>
+          <p:cNvPr id="7" name="Slide Number Placeholder 6"/>
           <p:cNvSpPr>
             <a:spLocks noGrp="1"/>
           </p:cNvSpPr>
@@ -2393,18 +2548,18 @@
           <a:bodyPr/>
           <a:lstStyle/>
           <a:p>
-            <a:fld id="{EA98548A-E96F-4CD2-A02E-3E43B30C4D0F}" type="slidenum">
-              <a:rPr lang="ru-RU" smtClean="0"/>
+            <a:fld id="{C1FF6DA9-008F-8B48-92A6-B652298478BF}" type="slidenum">
+              <a:rPr lang="en-US" smtClean="0"/>
               <a:t>‹#›</a:t>
             </a:fld>
-            <a:endParaRPr lang="ru-RU"/>
+            <a:endParaRPr lang="en-US"/>
           </a:p>
         </p:txBody>
       </p:sp>
     </p:spTree>
     <p:extLst>
       <p:ext uri="{BB962C8B-B14F-4D97-AF65-F5344CB8AC3E}">
-        <p14:creationId xmlns:p14="http://schemas.microsoft.com/office/powerpoint/2010/main" val="1324488486"/>
+        <p14:creationId xmlns:p14="http://schemas.microsoft.com/office/powerpoint/2010/main" val="3889236939"/>
       </p:ext>
     </p:extLst>
   </p:cSld>
@@ -2438,7 +2593,7 @@
       </p:grpSpPr>
       <p:sp>
         <p:nvSpPr>
-          <p:cNvPr id="2" name="Заголовок 1"/>
+          <p:cNvPr id="2" name="Title Placeholder 1"/>
           <p:cNvSpPr>
             <a:spLocks noGrp="1"/>
           </p:cNvSpPr>
@@ -2448,8 +2603,8 @@
         </p:nvSpPr>
         <p:spPr>
           <a:xfrm>
-            <a:off x="838200" y="365125"/>
-            <a:ext cx="10515600" cy="1325563"/>
+            <a:off x="457200" y="274638"/>
+            <a:ext cx="8229600" cy="1143000"/>
           </a:xfrm>
           <a:prstGeom prst="rect">
             <a:avLst/>
@@ -2462,16 +2617,16 @@
           <a:lstStyle/>
           <a:p>
             <a:r>
-              <a:rPr lang="ru-RU" smtClean="0"/>
-              <a:t>Образец заголовка</a:t>
-            </a:r>
-            <a:endParaRPr lang="ru-RU"/>
-          </a:p>
-        </p:txBody>
-      </p:sp>
-      <p:sp>
-        <p:nvSpPr>
-          <p:cNvPr id="3" name="Текст 2"/>
+              <a:rPr lang="en-US" smtClean="0"/>
+              <a:t>Click to edit Master title style</a:t>
+            </a:r>
+            <a:endParaRPr lang="en-US"/>
+          </a:p>
+        </p:txBody>
+      </p:sp>
+      <p:sp>
+        <p:nvSpPr>
+          <p:cNvPr id="3" name="Text Placeholder 2"/>
           <p:cNvSpPr>
             <a:spLocks noGrp="1"/>
           </p:cNvSpPr>
@@ -2481,8 +2636,8 @@
         </p:nvSpPr>
         <p:spPr>
           <a:xfrm>
-            <a:off x="838200" y="1825625"/>
-            <a:ext cx="10515600" cy="4351338"/>
+            <a:off x="457200" y="1600200"/>
+            <a:ext cx="8229600" cy="4525963"/>
           </a:xfrm>
           <a:prstGeom prst="rect">
             <a:avLst/>
@@ -2496,44 +2651,44 @@
           <a:p>
             <a:pPr lvl="0"/>
             <a:r>
-              <a:rPr lang="ru-RU" smtClean="0"/>
-              <a:t>Образец текста</a:t>
+              <a:rPr lang="en-US" smtClean="0"/>
+              <a:t>Click to edit Master text styles</a:t>
             </a:r>
           </a:p>
           <a:p>
             <a:pPr lvl="1"/>
             <a:r>
-              <a:rPr lang="ru-RU" smtClean="0"/>
-              <a:t>Второй уровень</a:t>
+              <a:rPr lang="en-US" smtClean="0"/>
+              <a:t>Second level</a:t>
             </a:r>
           </a:p>
           <a:p>
             <a:pPr lvl="2"/>
             <a:r>
-              <a:rPr lang="ru-RU" smtClean="0"/>
-              <a:t>Третий уровень</a:t>
+              <a:rPr lang="en-US" smtClean="0"/>
+              <a:t>Third level</a:t>
             </a:r>
           </a:p>
           <a:p>
             <a:pPr lvl="3"/>
             <a:r>
-              <a:rPr lang="ru-RU" smtClean="0"/>
-              <a:t>Четвертый уровень</a:t>
+              <a:rPr lang="en-US" smtClean="0"/>
+              <a:t>Fourth level</a:t>
             </a:r>
           </a:p>
           <a:p>
             <a:pPr lvl="4"/>
             <a:r>
-              <a:rPr lang="ru-RU" smtClean="0"/>
-              <a:t>Пятый уровень</a:t>
-            </a:r>
-            <a:endParaRPr lang="ru-RU"/>
-          </a:p>
-        </p:txBody>
-      </p:sp>
-      <p:sp>
-        <p:nvSpPr>
-          <p:cNvPr id="4" name="Дата 3"/>
+              <a:rPr lang="en-US" smtClean="0"/>
+              <a:t>Fifth level</a:t>
+            </a:r>
+            <a:endParaRPr lang="en-US"/>
+          </a:p>
+        </p:txBody>
+      </p:sp>
+      <p:sp>
+        <p:nvSpPr>
+          <p:cNvPr id="4" name="Date Placeholder 3"/>
           <p:cNvSpPr>
             <a:spLocks noGrp="1"/>
           </p:cNvSpPr>
@@ -2543,8 +2698,8 @@
         </p:nvSpPr>
         <p:spPr>
           <a:xfrm>
-            <a:off x="838200" y="6356350"/>
-            <a:ext cx="2743200" cy="365125"/>
+            <a:off x="457200" y="6356350"/>
+            <a:ext cx="2133600" cy="365125"/>
           </a:xfrm>
           <a:prstGeom prst="rect">
             <a:avLst/>
@@ -2564,17 +2719,17 @@
             </a:lvl1pPr>
           </a:lstStyle>
           <a:p>
-            <a:fld id="{DD065C8D-B095-4B70-8A9A-37BF157D54D2}" type="datetimeFigureOut">
-              <a:rPr lang="ru-RU" smtClean="0"/>
-              <a:t>31.05.2025</a:t>
+            <a:fld id="{5BCAD085-E8A6-8845-BD4E-CB4CCA059FC4}" type="datetimeFigureOut">
+              <a:rPr lang="en-US" smtClean="0"/>
+              <a:t>1/27/13</a:t>
             </a:fld>
-            <a:endParaRPr lang="ru-RU"/>
-          </a:p>
-        </p:txBody>
-      </p:sp>
-      <p:sp>
-        <p:nvSpPr>
-          <p:cNvPr id="5" name="Нижний колонтитул 4"/>
+            <a:endParaRPr lang="en-US"/>
+          </a:p>
+        </p:txBody>
+      </p:sp>
+      <p:sp>
+        <p:nvSpPr>
+          <p:cNvPr id="5" name="Footer Placeholder 4"/>
           <p:cNvSpPr>
             <a:spLocks noGrp="1"/>
           </p:cNvSpPr>
@@ -2584,8 +2739,8 @@
         </p:nvSpPr>
         <p:spPr>
           <a:xfrm>
-            <a:off x="4038600" y="6356350"/>
-            <a:ext cx="4114800" cy="365125"/>
+            <a:off x="3124200" y="6356350"/>
+            <a:ext cx="2895600" cy="365125"/>
           </a:xfrm>
           <a:prstGeom prst="rect">
             <a:avLst/>
@@ -2605,13 +2760,13 @@
             </a:lvl1pPr>
           </a:lstStyle>
           <a:p>
-            <a:endParaRPr lang="ru-RU"/>
-          </a:p>
-        </p:txBody>
-      </p:sp>
-      <p:sp>
-        <p:nvSpPr>
-          <p:cNvPr id="6" name="Номер слайда 5"/>
+            <a:endParaRPr lang="en-US"/>
+          </a:p>
+        </p:txBody>
+      </p:sp>
+      <p:sp>
+        <p:nvSpPr>
+          <p:cNvPr id="6" name="Slide Number Placeholder 5"/>
           <p:cNvSpPr>
             <a:spLocks noGrp="1"/>
           </p:cNvSpPr>
@@ -2621,8 +2776,8 @@
         </p:nvSpPr>
         <p:spPr>
           <a:xfrm>
-            <a:off x="8610600" y="6356350"/>
-            <a:ext cx="2743200" cy="365125"/>
+            <a:off x="6553200" y="6356350"/>
+            <a:ext cx="2133600" cy="365125"/>
           </a:xfrm>
           <a:prstGeom prst="rect">
             <a:avLst/>
@@ -2642,18 +2797,18 @@
             </a:lvl1pPr>
           </a:lstStyle>
           <a:p>
-            <a:fld id="{EA98548A-E96F-4CD2-A02E-3E43B30C4D0F}" type="slidenum">
-              <a:rPr lang="ru-RU" smtClean="0"/>
+            <a:fld id="{C1FF6DA9-008F-8B48-92A6-B652298478BF}" type="slidenum">
+              <a:rPr lang="en-US" smtClean="0"/>
               <a:t>‹#›</a:t>
             </a:fld>
-            <a:endParaRPr lang="ru-RU"/>
+            <a:endParaRPr lang="en-US"/>
           </a:p>
         </p:txBody>
       </p:sp>
     </p:spTree>
     <p:extLst>
       <p:ext uri="{BB962C8B-B14F-4D97-AF65-F5344CB8AC3E}">
-        <p14:creationId xmlns:p14="http://schemas.microsoft.com/office/powerpoint/2010/main" val="1378943200"/>
+        <p14:creationId xmlns:p14="http://schemas.microsoft.com/office/powerpoint/2010/main" val="2209977519"/>
       </p:ext>
     </p:extLst>
   </p:cSld>
@@ -2673,10 +2828,7 @@
   </p:sldLayoutIdLst>
   <p:txStyles>
     <p:titleStyle>
-      <a:lvl1pPr algn="l" defTabSz="914400" rtl="0" eaLnBrk="1" latinLnBrk="0" hangingPunct="1">
-        <a:lnSpc>
-          <a:spcPct val="90000"/>
-        </a:lnSpc>
+      <a:lvl1pPr algn="ctr" defTabSz="457200" rtl="0" eaLnBrk="1" latinLnBrk="0" hangingPunct="1">
         <a:spcBef>
           <a:spcPct val="0"/>
         </a:spcBef>
@@ -2692,15 +2844,27 @@
       </a:lvl1pPr>
     </p:titleStyle>
     <p:bodyStyle>
-      <a:lvl1pPr marL="228600" indent="-228600" algn="l" defTabSz="914400" rtl="0" eaLnBrk="1" latinLnBrk="0" hangingPunct="1">
-        <a:lnSpc>
-          <a:spcPct val="90000"/>
-        </a:lnSpc>
+      <a:lvl1pPr marL="342900" indent="-342900" algn="l" defTabSz="457200" rtl="0" eaLnBrk="1" latinLnBrk="0" hangingPunct="1">
         <a:spcBef>
-          <a:spcPts val="1000"/>
+          <a:spcPct val="20000"/>
         </a:spcBef>
-        <a:buFont typeface="Arial" panose="020B0604020202020204" pitchFamily="34" charset="0"/>
+        <a:buFont typeface="Arial"/>
         <a:buChar char="•"/>
+        <a:defRPr sz="3200" kern="1200">
+          <a:solidFill>
+            <a:schemeClr val="tx1"/>
+          </a:solidFill>
+          <a:latin typeface="+mn-lt"/>
+          <a:ea typeface="+mn-ea"/>
+          <a:cs typeface="+mn-cs"/>
+        </a:defRPr>
+      </a:lvl1pPr>
+      <a:lvl2pPr marL="742950" indent="-285750" algn="l" defTabSz="457200" rtl="0" eaLnBrk="1" latinLnBrk="0" hangingPunct="1">
+        <a:spcBef>
+          <a:spcPct val="20000"/>
+        </a:spcBef>
+        <a:buFont typeface="Arial"/>
+        <a:buChar char="–"/>
         <a:defRPr sz="2800" kern="1200">
           <a:solidFill>
             <a:schemeClr val="tx1"/>
@@ -2709,15 +2873,12 @@
           <a:ea typeface="+mn-ea"/>
           <a:cs typeface="+mn-cs"/>
         </a:defRPr>
-      </a:lvl1pPr>
-      <a:lvl2pPr marL="685800" indent="-228600" algn="l" defTabSz="914400" rtl="0" eaLnBrk="1" latinLnBrk="0" hangingPunct="1">
-        <a:lnSpc>
-          <a:spcPct val="90000"/>
-        </a:lnSpc>
+      </a:lvl2pPr>
+      <a:lvl3pPr marL="1143000" indent="-228600" algn="l" defTabSz="457200" rtl="0" eaLnBrk="1" latinLnBrk="0" hangingPunct="1">
         <a:spcBef>
-          <a:spcPts val="500"/>
+          <a:spcPct val="20000"/>
         </a:spcBef>
-        <a:buFont typeface="Arial" panose="020B0604020202020204" pitchFamily="34" charset="0"/>
+        <a:buFont typeface="Arial"/>
         <a:buChar char="•"/>
         <a:defRPr sz="2400" kern="1200">
           <a:solidFill>
@@ -2727,15 +2888,42 @@
           <a:ea typeface="+mn-ea"/>
           <a:cs typeface="+mn-cs"/>
         </a:defRPr>
-      </a:lvl2pPr>
-      <a:lvl3pPr marL="1143000" indent="-228600" algn="l" defTabSz="914400" rtl="0" eaLnBrk="1" latinLnBrk="0" hangingPunct="1">
-        <a:lnSpc>
-          <a:spcPct val="90000"/>
-        </a:lnSpc>
+      </a:lvl3pPr>
+      <a:lvl4pPr marL="1600200" indent="-228600" algn="l" defTabSz="457200" rtl="0" eaLnBrk="1" latinLnBrk="0" hangingPunct="1">
         <a:spcBef>
-          <a:spcPts val="500"/>
+          <a:spcPct val="20000"/>
         </a:spcBef>
-        <a:buFont typeface="Arial" panose="020B0604020202020204" pitchFamily="34" charset="0"/>
+        <a:buFont typeface="Arial"/>
+        <a:buChar char="–"/>
+        <a:defRPr sz="2000" kern="1200">
+          <a:solidFill>
+            <a:schemeClr val="tx1"/>
+          </a:solidFill>
+          <a:latin typeface="+mn-lt"/>
+          <a:ea typeface="+mn-ea"/>
+          <a:cs typeface="+mn-cs"/>
+        </a:defRPr>
+      </a:lvl4pPr>
+      <a:lvl5pPr marL="2057400" indent="-228600" algn="l" defTabSz="457200" rtl="0" eaLnBrk="1" latinLnBrk="0" hangingPunct="1">
+        <a:spcBef>
+          <a:spcPct val="20000"/>
+        </a:spcBef>
+        <a:buFont typeface="Arial"/>
+        <a:buChar char="»"/>
+        <a:defRPr sz="2000" kern="1200">
+          <a:solidFill>
+            <a:schemeClr val="tx1"/>
+          </a:solidFill>
+          <a:latin typeface="+mn-lt"/>
+          <a:ea typeface="+mn-ea"/>
+          <a:cs typeface="+mn-cs"/>
+        </a:defRPr>
+      </a:lvl5pPr>
+      <a:lvl6pPr marL="2514600" indent="-228600" algn="l" defTabSz="457200" rtl="0" eaLnBrk="1" latinLnBrk="0" hangingPunct="1">
+        <a:spcBef>
+          <a:spcPct val="20000"/>
+        </a:spcBef>
+        <a:buFont typeface="Arial"/>
         <a:buChar char="•"/>
         <a:defRPr sz="2000" kern="1200">
           <a:solidFill>
@@ -2745,71 +2933,14 @@
           <a:ea typeface="+mn-ea"/>
           <a:cs typeface="+mn-cs"/>
         </a:defRPr>
-      </a:lvl3pPr>
-      <a:lvl4pPr marL="1600200" indent="-228600" algn="l" defTabSz="914400" rtl="0" eaLnBrk="1" latinLnBrk="0" hangingPunct="1">
-        <a:lnSpc>
-          <a:spcPct val="90000"/>
-        </a:lnSpc>
+      </a:lvl6pPr>
+      <a:lvl7pPr marL="2971800" indent="-228600" algn="l" defTabSz="457200" rtl="0" eaLnBrk="1" latinLnBrk="0" hangingPunct="1">
         <a:spcBef>
-          <a:spcPts val="500"/>
+          <a:spcPct val="20000"/>
         </a:spcBef>
-        <a:buFont typeface="Arial" panose="020B0604020202020204" pitchFamily="34" charset="0"/>
+        <a:buFont typeface="Arial"/>
         <a:buChar char="•"/>
-        <a:defRPr sz="1800" kern="1200">
-          <a:solidFill>
-            <a:schemeClr val="tx1"/>
-          </a:solidFill>
-          <a:latin typeface="+mn-lt"/>
-          <a:ea typeface="+mn-ea"/>
-          <a:cs typeface="+mn-cs"/>
-        </a:defRPr>
-      </a:lvl4pPr>
-      <a:lvl5pPr marL="2057400" indent="-228600" algn="l" defTabSz="914400" rtl="0" eaLnBrk="1" latinLnBrk="0" hangingPunct="1">
-        <a:lnSpc>
-          <a:spcPct val="90000"/>
-        </a:lnSpc>
-        <a:spcBef>
-          <a:spcPts val="500"/>
-        </a:spcBef>
-        <a:buFont typeface="Arial" panose="020B0604020202020204" pitchFamily="34" charset="0"/>
-        <a:buChar char="•"/>
-        <a:defRPr sz="1800" kern="1200">
-          <a:solidFill>
-            <a:schemeClr val="tx1"/>
-          </a:solidFill>
-          <a:latin typeface="+mn-lt"/>
-          <a:ea typeface="+mn-ea"/>
-          <a:cs typeface="+mn-cs"/>
-        </a:defRPr>
-      </a:lvl5pPr>
-      <a:lvl6pPr marL="2514600" indent="-228600" algn="l" defTabSz="914400" rtl="0" eaLnBrk="1" latinLnBrk="0" hangingPunct="1">
-        <a:lnSpc>
-          <a:spcPct val="90000"/>
-        </a:lnSpc>
-        <a:spcBef>
-          <a:spcPts val="500"/>
-        </a:spcBef>
-        <a:buFont typeface="Arial" panose="020B0604020202020204" pitchFamily="34" charset="0"/>
-        <a:buChar char="•"/>
-        <a:defRPr sz="1800" kern="1200">
-          <a:solidFill>
-            <a:schemeClr val="tx1"/>
-          </a:solidFill>
-          <a:latin typeface="+mn-lt"/>
-          <a:ea typeface="+mn-ea"/>
-          <a:cs typeface="+mn-cs"/>
-        </a:defRPr>
-      </a:lvl6pPr>
-      <a:lvl7pPr marL="2971800" indent="-228600" algn="l" defTabSz="914400" rtl="0" eaLnBrk="1" latinLnBrk="0" hangingPunct="1">
-        <a:lnSpc>
-          <a:spcPct val="90000"/>
-        </a:lnSpc>
-        <a:spcBef>
-          <a:spcPts val="500"/>
-        </a:spcBef>
-        <a:buFont typeface="Arial" panose="020B0604020202020204" pitchFamily="34" charset="0"/>
-        <a:buChar char="•"/>
-        <a:defRPr sz="1800" kern="1200">
+        <a:defRPr sz="2000" kern="1200">
           <a:solidFill>
             <a:schemeClr val="tx1"/>
           </a:solidFill>
@@ -2818,16 +2949,13 @@
           <a:cs typeface="+mn-cs"/>
         </a:defRPr>
       </a:lvl7pPr>
-      <a:lvl8pPr marL="3429000" indent="-228600" algn="l" defTabSz="914400" rtl="0" eaLnBrk="1" latinLnBrk="0" hangingPunct="1">
-        <a:lnSpc>
-          <a:spcPct val="90000"/>
-        </a:lnSpc>
+      <a:lvl8pPr marL="3429000" indent="-228600" algn="l" defTabSz="457200" rtl="0" eaLnBrk="1" latinLnBrk="0" hangingPunct="1">
         <a:spcBef>
-          <a:spcPts val="500"/>
+          <a:spcPct val="20000"/>
         </a:spcBef>
-        <a:buFont typeface="Arial" panose="020B0604020202020204" pitchFamily="34" charset="0"/>
+        <a:buFont typeface="Arial"/>
         <a:buChar char="•"/>
-        <a:defRPr sz="1800" kern="1200">
+        <a:defRPr sz="2000" kern="1200">
           <a:solidFill>
             <a:schemeClr val="tx1"/>
           </a:solidFill>
@@ -2836,16 +2964,13 @@
           <a:cs typeface="+mn-cs"/>
         </a:defRPr>
       </a:lvl8pPr>
-      <a:lvl9pPr marL="3886200" indent="-228600" algn="l" defTabSz="914400" rtl="0" eaLnBrk="1" latinLnBrk="0" hangingPunct="1">
-        <a:lnSpc>
-          <a:spcPct val="90000"/>
-        </a:lnSpc>
+      <a:lvl9pPr marL="3886200" indent="-228600" algn="l" defTabSz="457200" rtl="0" eaLnBrk="1" latinLnBrk="0" hangingPunct="1">
         <a:spcBef>
-          <a:spcPts val="500"/>
+          <a:spcPct val="20000"/>
         </a:spcBef>
-        <a:buFont typeface="Arial" panose="020B0604020202020204" pitchFamily="34" charset="0"/>
+        <a:buFont typeface="Arial"/>
         <a:buChar char="•"/>
-        <a:defRPr sz="1800" kern="1200">
+        <a:defRPr sz="2000" kern="1200">
           <a:solidFill>
             <a:schemeClr val="tx1"/>
           </a:solidFill>
@@ -2857,9 +2982,9 @@
     </p:bodyStyle>
     <p:otherStyle>
       <a:defPPr>
-        <a:defRPr lang="ru-RU"/>
+        <a:defRPr lang="en-US"/>
       </a:defPPr>
-      <a:lvl1pPr marL="0" algn="l" defTabSz="914400" rtl="0" eaLnBrk="1" latinLnBrk="0" hangingPunct="1">
+      <a:lvl1pPr marL="0" algn="l" defTabSz="457200" rtl="0" eaLnBrk="1" latinLnBrk="0" hangingPunct="1">
         <a:defRPr sz="1800" kern="1200">
           <a:solidFill>
             <a:schemeClr val="tx1"/>
@@ -2869,7 +2994,7 @@
           <a:cs typeface="+mn-cs"/>
         </a:defRPr>
       </a:lvl1pPr>
-      <a:lvl2pPr marL="457200" algn="l" defTabSz="914400" rtl="0" eaLnBrk="1" latinLnBrk="0" hangingPunct="1">
+      <a:lvl2pPr marL="457200" algn="l" defTabSz="457200" rtl="0" eaLnBrk="1" latinLnBrk="0" hangingPunct="1">
         <a:defRPr sz="1800" kern="1200">
           <a:solidFill>
             <a:schemeClr val="tx1"/>
@@ -2879,7 +3004,7 @@
           <a:cs typeface="+mn-cs"/>
         </a:defRPr>
       </a:lvl2pPr>
-      <a:lvl3pPr marL="914400" algn="l" defTabSz="914400" rtl="0" eaLnBrk="1" latinLnBrk="0" hangingPunct="1">
+      <a:lvl3pPr marL="914400" algn="l" defTabSz="457200" rtl="0" eaLnBrk="1" latinLnBrk="0" hangingPunct="1">
         <a:defRPr sz="1800" kern="1200">
           <a:solidFill>
             <a:schemeClr val="tx1"/>
@@ -2889,7 +3014,7 @@
           <a:cs typeface="+mn-cs"/>
         </a:defRPr>
       </a:lvl3pPr>
-      <a:lvl4pPr marL="1371600" algn="l" defTabSz="914400" rtl="0" eaLnBrk="1" latinLnBrk="0" hangingPunct="1">
+      <a:lvl4pPr marL="1371600" algn="l" defTabSz="457200" rtl="0" eaLnBrk="1" latinLnBrk="0" hangingPunct="1">
         <a:defRPr sz="1800" kern="1200">
           <a:solidFill>
             <a:schemeClr val="tx1"/>
@@ -2899,7 +3024,7 @@
           <a:cs typeface="+mn-cs"/>
         </a:defRPr>
       </a:lvl4pPr>
-      <a:lvl5pPr marL="1828800" algn="l" defTabSz="914400" rtl="0" eaLnBrk="1" latinLnBrk="0" hangingPunct="1">
+      <a:lvl5pPr marL="1828800" algn="l" defTabSz="457200" rtl="0" eaLnBrk="1" latinLnBrk="0" hangingPunct="1">
         <a:defRPr sz="1800" kern="1200">
           <a:solidFill>
             <a:schemeClr val="tx1"/>
@@ -2909,7 +3034,7 @@
           <a:cs typeface="+mn-cs"/>
         </a:defRPr>
       </a:lvl5pPr>
-      <a:lvl6pPr marL="2286000" algn="l" defTabSz="914400" rtl="0" eaLnBrk="1" latinLnBrk="0" hangingPunct="1">
+      <a:lvl6pPr marL="2286000" algn="l" defTabSz="457200" rtl="0" eaLnBrk="1" latinLnBrk="0" hangingPunct="1">
         <a:defRPr sz="1800" kern="1200">
           <a:solidFill>
             <a:schemeClr val="tx1"/>
@@ -2919,7 +3044,7 @@
           <a:cs typeface="+mn-cs"/>
         </a:defRPr>
       </a:lvl6pPr>
-      <a:lvl7pPr marL="2743200" algn="l" defTabSz="914400" rtl="0" eaLnBrk="1" latinLnBrk="0" hangingPunct="1">
+      <a:lvl7pPr marL="2743200" algn="l" defTabSz="457200" rtl="0" eaLnBrk="1" latinLnBrk="0" hangingPunct="1">
         <a:defRPr sz="1800" kern="1200">
           <a:solidFill>
             <a:schemeClr val="tx1"/>
@@ -2929,7 +3054,7 @@
           <a:cs typeface="+mn-cs"/>
         </a:defRPr>
       </a:lvl7pPr>
-      <a:lvl8pPr marL="3200400" algn="l" defTabSz="914400" rtl="0" eaLnBrk="1" latinLnBrk="0" hangingPunct="1">
+      <a:lvl8pPr marL="3200400" algn="l" defTabSz="457200" rtl="0" eaLnBrk="1" latinLnBrk="0" hangingPunct="1">
         <a:defRPr sz="1800" kern="1200">
           <a:solidFill>
             <a:schemeClr val="tx1"/>
@@ -2939,7 +3064,7 @@
           <a:cs typeface="+mn-cs"/>
         </a:defRPr>
       </a:lvl8pPr>
-      <a:lvl9pPr marL="3657600" algn="l" defTabSz="914400" rtl="0" eaLnBrk="1" latinLnBrk="0" hangingPunct="1">
+      <a:lvl9pPr marL="3657600" algn="l" defTabSz="457200" rtl="0" eaLnBrk="1" latinLnBrk="0" hangingPunct="1">
         <a:defRPr sz="1800" kern="1200">
           <a:solidFill>
             <a:schemeClr val="tx1"/>
@@ -2955,7 +3080,7 @@
 </file>
 
 <file path=ppt/slides/slide1.xml><?xml version="1.0" encoding="utf-8"?>
-<p:sld xmlns:a="http://schemas.openxmlformats.org/drawingml/2006/main" xmlns:r="http://schemas.openxmlformats.org/officeDocument/2006/relationships" xmlns:p="http://schemas.openxmlformats.org/presentationml/2006/main">
+<p:sld xmlns:a="http://schemas.openxmlformats.org/drawingml/2006/main" xmlns:p="http://schemas.openxmlformats.org/presentationml/2006/main" xmlns:r="http://schemas.openxmlformats.org/officeDocument/2006/relationships">
   <p:cSld>
     <p:spTree>
       <p:nvGrpSpPr>
@@ -2963,125 +3088,10 @@
         <p:cNvGrpSpPr/>
         <p:nvPr/>
       </p:nvGrpSpPr>
-      <p:grpSpPr>
-        <a:xfrm>
-          <a:off x="0" y="0"/>
-          <a:ext cx="0" cy="0"/>
-          <a:chOff x="0" y="0"/>
-          <a:chExt cx="0" cy="0"/>
-        </a:xfrm>
-      </p:grpSpPr>
-      <p:sp>
-        <p:nvSpPr>
-          <p:cNvPr id="4" name="Прямоугольник 3"/>
-          <p:cNvSpPr/>
-          <p:nvPr/>
-        </p:nvSpPr>
-        <p:spPr>
-          <a:xfrm>
-            <a:off x="186813" y="275303"/>
-            <a:ext cx="422787" cy="550607"/>
-          </a:xfrm>
-          <a:prstGeom prst="rect">
-            <a:avLst/>
-          </a:prstGeom>
-        </p:spPr>
-        <p:style>
-          <a:lnRef idx="2">
-            <a:schemeClr val="accent1">
-              <a:shade val="50000"/>
-            </a:schemeClr>
-          </a:lnRef>
-          <a:fillRef idx="1">
-            <a:schemeClr val="accent1"/>
-          </a:fillRef>
-          <a:effectRef idx="0">
-            <a:schemeClr val="accent1"/>
-          </a:effectRef>
-          <a:fontRef idx="minor">
-            <a:schemeClr val="lt1"/>
-          </a:fontRef>
-        </p:style>
-        <p:txBody>
-          <a:bodyPr rtlCol="0" anchor="ctr"/>
-          <a:lstStyle/>
-          <a:p>
-            <a:pPr algn="ctr"/>
-            <a:endParaRPr lang="ru-RU"/>
-          </a:p>
-        </p:txBody>
-      </p:sp>
-    </p:spTree>
-    <p:extLst>
-      <p:ext uri="{BB962C8B-B14F-4D97-AF65-F5344CB8AC3E}">
-        <p14:creationId xmlns:p14="http://schemas.microsoft.com/office/powerpoint/2010/main" val="884508139"/>
-      </p:ext>
-    </p:extLst>
-  </p:cSld>
-  <p:clrMapOvr>
-    <a:masterClrMapping/>
-  </p:clrMapOvr>
-</p:sld>
-</file>
-
-<file path=ppt/slides/slide2.xml><?xml version="1.0" encoding="utf-8"?>
-<p:sld xmlns:a="http://schemas.openxmlformats.org/drawingml/2006/main" xmlns:r="http://schemas.openxmlformats.org/officeDocument/2006/relationships" xmlns:p="http://schemas.openxmlformats.org/presentationml/2006/main">
-  <p:cSld>
-    <p:spTree>
-      <p:nvGrpSpPr>
-        <p:cNvPr id="1" name=""/>
-        <p:cNvGrpSpPr/>
-        <p:nvPr/>
-      </p:nvGrpSpPr>
-      <p:grpSpPr>
-        <a:xfrm>
-          <a:off x="0" y="0"/>
-          <a:ext cx="0" cy="0"/>
-          <a:chOff x="0" y="0"/>
-          <a:chExt cx="0" cy="0"/>
-        </a:xfrm>
-      </p:grpSpPr>
-      <p:sp>
-        <p:nvSpPr>
-          <p:cNvPr id="2" name="Заголовок 1"/>
-          <p:cNvSpPr>
-            <a:spLocks noGrp="1"/>
-          </p:cNvSpPr>
-          <p:nvPr>
-            <p:ph type="title"/>
-          </p:nvPr>
-        </p:nvSpPr>
-        <p:spPr/>
-        <p:txBody>
-          <a:bodyPr/>
-          <a:lstStyle/>
-          <a:p>
-            <a:endParaRPr lang="ru-RU"/>
-          </a:p>
-        </p:txBody>
-      </p:sp>
-      <p:sp>
-        <p:nvSpPr>
-          <p:cNvPr id="3" name="Объект 2"/>
-          <p:cNvSpPr>
-            <a:spLocks noGrp="1"/>
-          </p:cNvSpPr>
-          <p:nvPr>
-            <p:ph idx="1"/>
-          </p:nvPr>
-        </p:nvSpPr>
-        <p:spPr/>
-        <p:txBody>
-          <a:bodyPr/>
-          <a:lstStyle/>
-          <a:p>
-            <a:endParaRPr lang="ru-RU"/>
-          </a:p>
-        </p:txBody>
-      </p:sp>
+      <p:grpSpPr/>
       <p:pic>
         <p:nvPicPr>
-          <p:cNvPr id="4" name="Picture 3" descr="AAA.jpg"/>
+          <p:cNvPr id="2" name="Picture 1" descr="background.jpg"/>
           <p:cNvPicPr>
             <a:picLocks noChangeAspect="1"/>
           </p:cNvPicPr>
@@ -3095,8 +3105,32 @@
         </p:blipFill>
         <p:spPr>
           <a:xfrm>
-            <a:off x="914400" y="914400"/>
-            <a:ext cx="4114800" cy="2304288"/>
+            <a:off x="0" y="0"/>
+            <a:ext cx="14630400" cy="8229600"/>
+          </a:xfrm>
+          <a:prstGeom prst="rect">
+            <a:avLst/>
+          </a:prstGeom>
+        </p:spPr>
+      </p:pic>
+      <p:pic>
+        <p:nvPicPr>
+          <p:cNvPr id="3" name="Picture 2" descr="AAA.jpg"/>
+          <p:cNvPicPr>
+            <a:picLocks noChangeAspect="1"/>
+          </p:cNvPicPr>
+          <p:nvPr/>
+        </p:nvPicPr>
+        <p:blipFill>
+          <a:blip r:embed="rId3"/>
+          <a:stretch>
+            <a:fillRect/>
+          </a:stretch>
+        </p:blipFill>
+        <p:spPr>
+          <a:xfrm>
+            <a:off x="1828800" y="1371600"/>
+            <a:ext cx="5486400" cy="3657600"/>
           </a:xfrm>
           <a:prstGeom prst="rect">
             <a:avLst/>
@@ -3104,11 +3138,6 @@
         </p:spPr>
       </p:pic>
     </p:spTree>
-    <p:extLst>
-      <p:ext uri="{BB962C8B-B14F-4D97-AF65-F5344CB8AC3E}">
-        <p14:creationId xmlns:p14="http://schemas.microsoft.com/office/powerpoint/2010/main" val="3104267790"/>
-      </p:ext>
-    </p:extLst>
   </p:cSld>
   <p:clrMapOvr>
     <a:masterClrMapping/>
@@ -3116,8 +3145,8 @@
 </p:sld>
 </file>
 
-<file path=ppt/slides/slide3.xml><?xml version="1.0" encoding="utf-8"?>
-<p:sld xmlns:a="http://schemas.openxmlformats.org/drawingml/2006/main" xmlns:r="http://schemas.openxmlformats.org/officeDocument/2006/relationships" xmlns:p="http://schemas.openxmlformats.org/presentationml/2006/main">
+<file path=ppt/slides/slide2.xml><?xml version="1.0" encoding="utf-8"?>
+<p:sld xmlns:a="http://schemas.openxmlformats.org/drawingml/2006/main" xmlns:p="http://schemas.openxmlformats.org/presentationml/2006/main" xmlns:r="http://schemas.openxmlformats.org/officeDocument/2006/relationships">
   <p:cSld>
     <p:spTree>
       <p:nvGrpSpPr>
@@ -3125,58 +3154,56 @@
         <p:cNvGrpSpPr/>
         <p:nvPr/>
       </p:nvGrpSpPr>
-      <p:grpSpPr>
-        <a:xfrm>
-          <a:off x="0" y="0"/>
-          <a:ext cx="0" cy="0"/>
-          <a:chOff x="0" y="0"/>
-          <a:chExt cx="0" cy="0"/>
-        </a:xfrm>
-      </p:grpSpPr>
-      <p:sp>
-        <p:nvSpPr>
-          <p:cNvPr id="2" name="Заголовок 1"/>
-          <p:cNvSpPr>
-            <a:spLocks noGrp="1"/>
-          </p:cNvSpPr>
-          <p:nvPr>
-            <p:ph type="title"/>
-          </p:nvPr>
-        </p:nvSpPr>
-        <p:spPr/>
-        <p:txBody>
-          <a:bodyPr/>
-          <a:lstStyle/>
-          <a:p>
-            <a:endParaRPr lang="ru-RU"/>
-          </a:p>
-        </p:txBody>
-      </p:sp>
-      <p:sp>
-        <p:nvSpPr>
-          <p:cNvPr id="3" name="Объект 2"/>
-          <p:cNvSpPr>
-            <a:spLocks noGrp="1"/>
-          </p:cNvSpPr>
-          <p:nvPr>
-            <p:ph idx="1"/>
-          </p:nvPr>
-        </p:nvSpPr>
-        <p:spPr/>
-        <p:txBody>
-          <a:bodyPr/>
-          <a:lstStyle/>
-          <a:p>
-            <a:endParaRPr lang="ru-RU"/>
-          </a:p>
-        </p:txBody>
-      </p:sp>
+      <p:grpSpPr/>
+      <p:pic>
+        <p:nvPicPr>
+          <p:cNvPr id="2" name="Picture 1" descr="background.jpg"/>
+          <p:cNvPicPr>
+            <a:picLocks noChangeAspect="1"/>
+          </p:cNvPicPr>
+          <p:nvPr/>
+        </p:nvPicPr>
+        <p:blipFill>
+          <a:blip r:embed="rId2"/>
+          <a:stretch>
+            <a:fillRect/>
+          </a:stretch>
+        </p:blipFill>
+        <p:spPr>
+          <a:xfrm>
+            <a:off x="0" y="0"/>
+            <a:ext cx="14630400" cy="8229600"/>
+          </a:xfrm>
+          <a:prstGeom prst="rect">
+            <a:avLst/>
+          </a:prstGeom>
+        </p:spPr>
+      </p:pic>
+      <p:pic>
+        <p:nvPicPr>
+          <p:cNvPr id="3" name="Picture 2" descr="вот ава на тг.png"/>
+          <p:cNvPicPr>
+            <a:picLocks noChangeAspect="1"/>
+          </p:cNvPicPr>
+          <p:nvPr/>
+        </p:nvPicPr>
+        <p:blipFill>
+          <a:blip r:embed="rId3"/>
+          <a:stretch>
+            <a:fillRect/>
+          </a:stretch>
+        </p:blipFill>
+        <p:spPr>
+          <a:xfrm>
+            <a:off x="1828800" y="1371600"/>
+            <a:ext cx="5486400" cy="3657600"/>
+          </a:xfrm>
+          <a:prstGeom prst="rect">
+            <a:avLst/>
+          </a:prstGeom>
+        </p:spPr>
+      </p:pic>
     </p:spTree>
-    <p:extLst>
-      <p:ext uri="{BB962C8B-B14F-4D97-AF65-F5344CB8AC3E}">
-        <p14:creationId xmlns:p14="http://schemas.microsoft.com/office/powerpoint/2010/main" val="668796139"/>
-      </p:ext>
-    </p:extLst>
   </p:cSld>
   <p:clrMapOvr>
     <a:masterClrMapping/>
@@ -3185,9 +3212,9 @@
 </file>
 
 <file path=ppt/theme/theme1.xml><?xml version="1.0" encoding="utf-8"?>
-<a:theme xmlns:a="http://schemas.openxmlformats.org/drawingml/2006/main" name="Тема Office">
+<a:theme xmlns:a="http://schemas.openxmlformats.org/drawingml/2006/main" name="Office Theme">
   <a:themeElements>
-    <a:clrScheme name="Стандартная">
+    <a:clrScheme name="Office">
       <a:dk1>
         <a:sysClr val="windowText" lastClr="000000"/>
       </a:dk1>
@@ -3195,44 +3222,44 @@
         <a:sysClr val="window" lastClr="FFFFFF"/>
       </a:lt1>
       <a:dk2>
-        <a:srgbClr val="44546A"/>
+        <a:srgbClr val="1F497D"/>
       </a:dk2>
       <a:lt2>
-        <a:srgbClr val="E7E6E6"/>
+        <a:srgbClr val="EEECE1"/>
       </a:lt2>
       <a:accent1>
-        <a:srgbClr val="5B9BD5"/>
+        <a:srgbClr val="4F81BD"/>
       </a:accent1>
       <a:accent2>
-        <a:srgbClr val="ED7D31"/>
+        <a:srgbClr val="C0504D"/>
       </a:accent2>
       <a:accent3>
-        <a:srgbClr val="A5A5A5"/>
+        <a:srgbClr val="9BBB59"/>
       </a:accent3>
       <a:accent4>
-        <a:srgbClr val="FFC000"/>
+        <a:srgbClr val="8064A2"/>
       </a:accent4>
       <a:accent5>
-        <a:srgbClr val="4472C4"/>
+        <a:srgbClr val="4BACC6"/>
       </a:accent5>
       <a:accent6>
-        <a:srgbClr val="70AD47"/>
+        <a:srgbClr val="F79646"/>
       </a:accent6>
       <a:hlink>
-        <a:srgbClr val="0563C1"/>
+        <a:srgbClr val="0000FF"/>
       </a:hlink>
       <a:folHlink>
-        <a:srgbClr val="954F72"/>
+        <a:srgbClr val="800080"/>
       </a:folHlink>
     </a:clrScheme>
-    <a:fontScheme name="Стандартная">
+    <a:fontScheme name="Office">
       <a:majorFont>
-        <a:latin typeface="Calibri Light" panose="020F0302020204030204"/>
+        <a:latin typeface="Calibri"/>
         <a:ea typeface=""/>
         <a:cs typeface=""/>
-        <a:font script="Jpan" typeface="游ゴシック Light"/>
+        <a:font script="Jpan" typeface="ＭＳ Ｐゴシック"/>
         <a:font script="Hang" typeface="맑은 고딕"/>
-        <a:font script="Hans" typeface="等线 Light"/>
+        <a:font script="Hans" typeface="宋体"/>
         <a:font script="Hant" typeface="新細明體"/>
         <a:font script="Arab" typeface="Times New Roman"/>
         <a:font script="Hebr" typeface="Times New Roman"/>
@@ -3262,12 +3289,12 @@
         <a:font script="Geor" typeface="Sylfaen"/>
       </a:majorFont>
       <a:minorFont>
-        <a:latin typeface="Calibri" panose="020F0502020204030204"/>
+        <a:latin typeface="Calibri"/>
         <a:ea typeface=""/>
         <a:cs typeface=""/>
-        <a:font script="Jpan" typeface="游ゴシック"/>
+        <a:font script="Jpan" typeface="ＭＳ Ｐゴシック"/>
         <a:font script="Hang" typeface="맑은 고딕"/>
-        <a:font script="Hans" typeface="等线"/>
+        <a:font script="Hans" typeface="宋体"/>
         <a:font script="Hant" typeface="新細明體"/>
         <a:font script="Arab" typeface="Arial"/>
         <a:font script="Hebr" typeface="Arial"/>
@@ -3297,7 +3324,7 @@
         <a:font script="Geor" typeface="Sylfaen"/>
       </a:minorFont>
     </a:fontScheme>
-    <a:fmtScheme name="Стандартная">
+    <a:fmtScheme name="Office">
       <a:fillStyleLst>
         <a:solidFill>
           <a:schemeClr val="phClr"/>
@@ -3306,141 +3333,200 @@
           <a:gsLst>
             <a:gs pos="0">
               <a:schemeClr val="phClr">
-                <a:lumMod val="110000"/>
-                <a:satMod val="105000"/>
-                <a:tint val="67000"/>
+                <a:tint val="50000"/>
+                <a:satMod val="300000"/>
               </a:schemeClr>
             </a:gs>
-            <a:gs pos="50000">
+            <a:gs pos="35000">
               <a:schemeClr val="phClr">
-                <a:lumMod val="105000"/>
-                <a:satMod val="103000"/>
-                <a:tint val="73000"/>
+                <a:tint val="37000"/>
+                <a:satMod val="300000"/>
               </a:schemeClr>
             </a:gs>
             <a:gs pos="100000">
               <a:schemeClr val="phClr">
-                <a:lumMod val="105000"/>
-                <a:satMod val="109000"/>
-                <a:tint val="81000"/>
+                <a:tint val="15000"/>
+                <a:satMod val="350000"/>
               </a:schemeClr>
             </a:gs>
           </a:gsLst>
-          <a:lin ang="5400000" scaled="0"/>
+          <a:lin ang="16200000" scaled="1"/>
         </a:gradFill>
         <a:gradFill rotWithShape="1">
           <a:gsLst>
             <a:gs pos="0">
               <a:schemeClr val="phClr">
-                <a:satMod val="103000"/>
-                <a:lumMod val="102000"/>
-                <a:tint val="94000"/>
-              </a:schemeClr>
-            </a:gs>
-            <a:gs pos="50000">
-              <a:schemeClr val="phClr">
-                <a:satMod val="110000"/>
-                <a:lumMod val="100000"/>
+                <a:tint val="100000"/>
                 <a:shade val="100000"/>
+                <a:satMod val="130000"/>
               </a:schemeClr>
             </a:gs>
             <a:gs pos="100000">
               <a:schemeClr val="phClr">
-                <a:lumMod val="99000"/>
-                <a:satMod val="120000"/>
-                <a:shade val="78000"/>
+                <a:tint val="50000"/>
+                <a:shade val="100000"/>
+                <a:satMod val="350000"/>
               </a:schemeClr>
             </a:gs>
           </a:gsLst>
-          <a:lin ang="5400000" scaled="0"/>
+          <a:lin ang="16200000" scaled="0"/>
         </a:gradFill>
       </a:fillStyleLst>
       <a:lnStyleLst>
-        <a:ln w="6350" cap="flat" cmpd="sng" algn="ctr">
+        <a:ln w="9525" cap="flat" cmpd="sng" algn="ctr">
+          <a:solidFill>
+            <a:schemeClr val="phClr">
+              <a:shade val="95000"/>
+              <a:satMod val="105000"/>
+            </a:schemeClr>
+          </a:solidFill>
+          <a:prstDash val="solid"/>
+        </a:ln>
+        <a:ln w="25400" cap="flat" cmpd="sng" algn="ctr">
           <a:solidFill>
             <a:schemeClr val="phClr"/>
           </a:solidFill>
           <a:prstDash val="solid"/>
-          <a:miter lim="800000"/>
         </a:ln>
-        <a:ln w="12700" cap="flat" cmpd="sng" algn="ctr">
+        <a:ln w="38100" cap="flat" cmpd="sng" algn="ctr">
           <a:solidFill>
             <a:schemeClr val="phClr"/>
           </a:solidFill>
           <a:prstDash val="solid"/>
-          <a:miter lim="800000"/>
-        </a:ln>
-        <a:ln w="19050" cap="flat" cmpd="sng" algn="ctr">
-          <a:solidFill>
-            <a:schemeClr val="phClr"/>
-          </a:solidFill>
-          <a:prstDash val="solid"/>
-          <a:miter lim="800000"/>
         </a:ln>
       </a:lnStyleLst>
       <a:effectStyleLst>
         <a:effectStyle>
-          <a:effectLst/>
-        </a:effectStyle>
-        <a:effectStyle>
-          <a:effectLst/>
+          <a:effectLst>
+            <a:outerShdw blurRad="40000" dist="20000" dir="5400000" rotWithShape="0">
+              <a:srgbClr val="000000">
+                <a:alpha val="38000"/>
+              </a:srgbClr>
+            </a:outerShdw>
+          </a:effectLst>
         </a:effectStyle>
         <a:effectStyle>
           <a:effectLst>
-            <a:outerShdw blurRad="57150" dist="19050" dir="5400000" algn="ctr" rotWithShape="0">
+            <a:outerShdw blurRad="40000" dist="23000" dir="5400000" rotWithShape="0">
               <a:srgbClr val="000000">
-                <a:alpha val="63000"/>
+                <a:alpha val="35000"/>
               </a:srgbClr>
             </a:outerShdw>
           </a:effectLst>
+        </a:effectStyle>
+        <a:effectStyle>
+          <a:effectLst>
+            <a:outerShdw blurRad="40000" dist="23000" dir="5400000" rotWithShape="0">
+              <a:srgbClr val="000000">
+                <a:alpha val="35000"/>
+              </a:srgbClr>
+            </a:outerShdw>
+          </a:effectLst>
+          <a:scene3d>
+            <a:camera prst="orthographicFront">
+              <a:rot lat="0" lon="0" rev="0"/>
+            </a:camera>
+            <a:lightRig rig="threePt" dir="t">
+              <a:rot lat="0" lon="0" rev="1200000"/>
+            </a:lightRig>
+          </a:scene3d>
+          <a:sp3d>
+            <a:bevelT w="63500" h="25400"/>
+          </a:sp3d>
         </a:effectStyle>
       </a:effectStyleLst>
       <a:bgFillStyleLst>
         <a:solidFill>
           <a:schemeClr val="phClr"/>
         </a:solidFill>
-        <a:solidFill>
-          <a:schemeClr val="phClr">
-            <a:tint val="95000"/>
-            <a:satMod val="170000"/>
-          </a:schemeClr>
-        </a:solidFill>
         <a:gradFill rotWithShape="1">
           <a:gsLst>
             <a:gs pos="0">
               <a:schemeClr val="phClr">
-                <a:tint val="93000"/>
-                <a:satMod val="150000"/>
-                <a:shade val="98000"/>
-                <a:lumMod val="102000"/>
+                <a:tint val="40000"/>
+                <a:satMod val="350000"/>
               </a:schemeClr>
             </a:gs>
-            <a:gs pos="50000">
+            <a:gs pos="40000">
               <a:schemeClr val="phClr">
-                <a:tint val="98000"/>
-                <a:satMod val="130000"/>
-                <a:shade val="90000"/>
-                <a:lumMod val="103000"/>
+                <a:tint val="45000"/>
+                <a:shade val="99000"/>
+                <a:satMod val="350000"/>
               </a:schemeClr>
             </a:gs>
             <a:gs pos="100000">
               <a:schemeClr val="phClr">
-                <a:shade val="63000"/>
-                <a:satMod val="120000"/>
+                <a:shade val="20000"/>
+                <a:satMod val="255000"/>
               </a:schemeClr>
             </a:gs>
           </a:gsLst>
-          <a:lin ang="5400000" scaled="0"/>
+          <a:path path="circle">
+            <a:fillToRect l="50000" t="-80000" r="50000" b="180000"/>
+          </a:path>
+        </a:gradFill>
+        <a:gradFill rotWithShape="1">
+          <a:gsLst>
+            <a:gs pos="0">
+              <a:schemeClr val="phClr">
+                <a:tint val="80000"/>
+                <a:satMod val="300000"/>
+              </a:schemeClr>
+            </a:gs>
+            <a:gs pos="100000">
+              <a:schemeClr val="phClr">
+                <a:shade val="30000"/>
+                <a:satMod val="200000"/>
+              </a:schemeClr>
+            </a:gs>
+          </a:gsLst>
+          <a:path path="circle">
+            <a:fillToRect l="50000" t="50000" r="50000" b="50000"/>
+          </a:path>
         </a:gradFill>
       </a:bgFillStyleLst>
     </a:fmtScheme>
   </a:themeElements>
-  <a:objectDefaults/>
+  <a:objectDefaults>
+    <a:spDef>
+      <a:spPr/>
+      <a:bodyPr/>
+      <a:lstStyle/>
+      <a:style>
+        <a:lnRef idx="1">
+          <a:schemeClr val="accent1"/>
+        </a:lnRef>
+        <a:fillRef idx="3">
+          <a:schemeClr val="accent1"/>
+        </a:fillRef>
+        <a:effectRef idx="2">
+          <a:schemeClr val="accent1"/>
+        </a:effectRef>
+        <a:fontRef idx="minor">
+          <a:schemeClr val="lt1"/>
+        </a:fontRef>
+      </a:style>
+    </a:spDef>
+    <a:lnDef>
+      <a:spPr/>
+      <a:bodyPr/>
+      <a:lstStyle/>
+      <a:style>
+        <a:lnRef idx="2">
+          <a:schemeClr val="accent1"/>
+        </a:lnRef>
+        <a:fillRef idx="0">
+          <a:schemeClr val="accent1"/>
+        </a:fillRef>
+        <a:effectRef idx="1">
+          <a:schemeClr val="accent1"/>
+        </a:effectRef>
+        <a:fontRef idx="minor">
+          <a:schemeClr val="tx1"/>
+        </a:fontRef>
+      </a:style>
+    </a:lnDef>
+  </a:objectDefaults>
   <a:extraClrSchemeLst/>
-  <a:extLst>
-    <a:ext uri="{05A4C25C-085E-4340-85A3-A5531E510DB2}">
-      <thm15:themeFamily xmlns:thm15="http://schemas.microsoft.com/office/thememl/2012/main" name="Office Theme" id="{62F939B6-93AF-4DB8-9C6B-D6C7DFDC589F}" vid="{4A3C46E8-61CC-4603-A589-7422A47A8E4A}"/>
-    </a:ext>
-  </a:extLst>
 </a:theme>
 </file>
--- a/presentation_with_images.pptx
+++ b/presentation_with_images.pptx
@@ -7,6 +7,7 @@
   <p:sldIdLst>
     <p:sldId id="256" r:id="rId7"/>
     <p:sldId id="257" r:id="rId8"/>
+    <p:sldId id="258" r:id="rId9"/>
   </p:sldIdLst>
   <p:sldSz cx="14630400" cy="8229600" type="screen4x3"/>
   <p:notesSz cx="6858000" cy="9144000"/>
@@ -3211,6 +3212,72 @@
 </p:sld>
 </file>
 
+<file path=ppt/slides/slide3.xml><?xml version="1.0" encoding="utf-8"?>
+<p:sld xmlns:a="http://schemas.openxmlformats.org/drawingml/2006/main" xmlns:p="http://schemas.openxmlformats.org/presentationml/2006/main" xmlns:r="http://schemas.openxmlformats.org/officeDocument/2006/relationships">
+  <p:cSld>
+    <p:spTree>
+      <p:nvGrpSpPr>
+        <p:cNvPr id="1" name=""/>
+        <p:cNvGrpSpPr/>
+        <p:nvPr/>
+      </p:nvGrpSpPr>
+      <p:grpSpPr/>
+      <p:pic>
+        <p:nvPicPr>
+          <p:cNvPr id="2" name="Picture 1" descr="background.jpg"/>
+          <p:cNvPicPr>
+            <a:picLocks noChangeAspect="1"/>
+          </p:cNvPicPr>
+          <p:nvPr/>
+        </p:nvPicPr>
+        <p:blipFill>
+          <a:blip r:embed="rId2"/>
+          <a:stretch>
+            <a:fillRect/>
+          </a:stretch>
+        </p:blipFill>
+        <p:spPr>
+          <a:xfrm>
+            <a:off x="0" y="0"/>
+            <a:ext cx="14630400" cy="8229600"/>
+          </a:xfrm>
+          <a:prstGeom prst="rect">
+            <a:avLst/>
+          </a:prstGeom>
+        </p:spPr>
+      </p:pic>
+      <p:pic>
+        <p:nvPicPr>
+          <p:cNvPr id="3" name="Picture 2" descr="ЛоготипNekrDesignPNG.png"/>
+          <p:cNvPicPr>
+            <a:picLocks noChangeAspect="1"/>
+          </p:cNvPicPr>
+          <p:nvPr/>
+        </p:nvPicPr>
+        <p:blipFill>
+          <a:blip r:embed="rId3"/>
+          <a:stretch>
+            <a:fillRect/>
+          </a:stretch>
+        </p:blipFill>
+        <p:spPr>
+          <a:xfrm>
+            <a:off x="1828800" y="1371600"/>
+            <a:ext cx="5486400" cy="3657600"/>
+          </a:xfrm>
+          <a:prstGeom prst="rect">
+            <a:avLst/>
+          </a:prstGeom>
+        </p:spPr>
+      </p:pic>
+    </p:spTree>
+  </p:cSld>
+  <p:clrMapOvr>
+    <a:masterClrMapping/>
+  </p:clrMapOvr>
+</p:sld>
+</file>
+
 <file path=ppt/theme/theme1.xml><?xml version="1.0" encoding="utf-8"?>
 <a:theme xmlns:a="http://schemas.openxmlformats.org/drawingml/2006/main" name="Office Theme">
   <a:themeElements>
